--- a/Mini Project Presentation  CET 1.pptx
+++ b/Mini Project Presentation  CET 1.pptx
@@ -5,10 +5,10 @@
     <p:sldMasterId id="2147483661" r:id="rId1"/>
   </p:sldMasterIdLst>
   <p:notesMasterIdLst>
-    <p:notesMasterId r:id="rId15"/>
+    <p:notesMasterId r:id="rId16"/>
   </p:notesMasterIdLst>
   <p:handoutMasterIdLst>
-    <p:handoutMasterId r:id="rId16"/>
+    <p:handoutMasterId r:id="rId17"/>
   </p:handoutMasterIdLst>
   <p:sldIdLst>
     <p:sldId id="285" r:id="rId2"/>
@@ -18,12 +18,13 @@
     <p:sldId id="324" r:id="rId6"/>
     <p:sldId id="325" r:id="rId7"/>
     <p:sldId id="326" r:id="rId8"/>
-    <p:sldId id="330" r:id="rId9"/>
+    <p:sldId id="335" r:id="rId9"/>
     <p:sldId id="329" r:id="rId10"/>
     <p:sldId id="331" r:id="rId11"/>
     <p:sldId id="332" r:id="rId12"/>
     <p:sldId id="333" r:id="rId13"/>
     <p:sldId id="327" r:id="rId14"/>
+    <p:sldId id="336" r:id="rId15"/>
   </p:sldIdLst>
   <p:sldSz cx="9144000" cy="6858000" type="screen4x3"/>
   <p:notesSz cx="6858000" cy="9144000"/>
@@ -134,12 +135,13 @@
             <p14:sldId id="324"/>
             <p14:sldId id="325"/>
             <p14:sldId id="326"/>
-            <p14:sldId id="330"/>
+            <p14:sldId id="335"/>
             <p14:sldId id="329"/>
             <p14:sldId id="331"/>
             <p14:sldId id="332"/>
             <p14:sldId id="333"/>
             <p14:sldId id="327"/>
+            <p14:sldId id="336"/>
           </p14:sldIdLst>
         </p14:section>
         <p14:section name="Untitled Section" id="{F3FEF0FD-57DC-4587-8570-A609F0F46CEE}">
@@ -165,21 +167,45 @@
 </p:presentation>
 </file>
 
+<file path=ppt/revisionInfo.xml><?xml version="1.0" encoding="utf-8"?>
+<p1510:revInfo xmlns:a="http://schemas.openxmlformats.org/drawingml/2006/main" xmlns:r="http://schemas.openxmlformats.org/officeDocument/2006/relationships" xmlns:p1510="http://schemas.microsoft.com/office/powerpoint/2015/10/main">
+  <p1510:revLst>
+    <p1510:client id="{C2E187BF-7445-4AE1-99D6-4B592FE0F5E9}" v="94" dt="2026-02-25T16:54:52.414"/>
+  </p1510:revLst>
+</p1510:revInfo>
+</file>
+
 <file path=ppt/changesInfos/changesInfo1.xml><?xml version="1.0" encoding="utf-8"?>
 <pc:chgInfo xmlns:a="http://schemas.openxmlformats.org/drawingml/2006/main" xmlns:r="http://schemas.openxmlformats.org/officeDocument/2006/relationships" xmlns:ac="http://schemas.microsoft.com/office/drawing/2013/main/command" xmlns:pc="http://schemas.microsoft.com/office/powerpoint/2013/main/command">
   <pc:docChgLst>
     <pc:chgData name="dattajayshri@gmail.com" userId="033ff451c94eedde" providerId="LiveId" clId="{A948A714-8DDF-4523-82A0-009A7FC8F1AE}"/>
-    <pc:docChg chg="undo custSel modSld">
-      <pc:chgData name="dattajayshri@gmail.com" userId="033ff451c94eedde" providerId="LiveId" clId="{A948A714-8DDF-4523-82A0-009A7FC8F1AE}" dt="2026-02-24T16:55:20.119" v="46" actId="123"/>
+    <pc:docChg chg="undo redo custSel addSld delSld modSld modSection">
+      <pc:chgData name="dattajayshri@gmail.com" userId="033ff451c94eedde" providerId="LiveId" clId="{A948A714-8DDF-4523-82A0-009A7FC8F1AE}" dt="2026-02-25T16:56:08.758" v="425" actId="14100"/>
       <pc:docMkLst>
         <pc:docMk/>
       </pc:docMkLst>
       <pc:sldChg chg="modSp mod">
-        <pc:chgData name="dattajayshri@gmail.com" userId="033ff451c94eedde" providerId="LiveId" clId="{A948A714-8DDF-4523-82A0-009A7FC8F1AE}" dt="2026-02-24T16:46:18.974" v="0" actId="207"/>
+        <pc:chgData name="dattajayshri@gmail.com" userId="033ff451c94eedde" providerId="LiveId" clId="{A948A714-8DDF-4523-82A0-009A7FC8F1AE}" dt="2026-02-25T16:42:27.619" v="322" actId="14100"/>
         <pc:sldMkLst>
           <pc:docMk/>
           <pc:sldMk cId="3822380123" sldId="285"/>
         </pc:sldMkLst>
+        <pc:spChg chg="mod">
+          <ac:chgData name="dattajayshri@gmail.com" userId="033ff451c94eedde" providerId="LiveId" clId="{A948A714-8DDF-4523-82A0-009A7FC8F1AE}" dt="2026-02-25T16:42:10.030" v="321" actId="14100"/>
+          <ac:spMkLst>
+            <pc:docMk/>
+            <pc:sldMk cId="3822380123" sldId="285"/>
+            <ac:spMk id="2" creationId="{00000000-0000-0000-0000-000000000000}"/>
+          </ac:spMkLst>
+        </pc:spChg>
+        <pc:spChg chg="mod">
+          <ac:chgData name="dattajayshri@gmail.com" userId="033ff451c94eedde" providerId="LiveId" clId="{A948A714-8DDF-4523-82A0-009A7FC8F1AE}" dt="2026-02-25T16:39:59.063" v="296"/>
+          <ac:spMkLst>
+            <pc:docMk/>
+            <pc:sldMk cId="3822380123" sldId="285"/>
+            <ac:spMk id="3" creationId="{00000000-0000-0000-0000-000000000000}"/>
+          </ac:spMkLst>
+        </pc:spChg>
         <pc:spChg chg="mod">
           <ac:chgData name="dattajayshri@gmail.com" userId="033ff451c94eedde" providerId="LiveId" clId="{A948A714-8DDF-4523-82A0-009A7FC8F1AE}" dt="2026-02-24T16:46:18.974" v="0" actId="207"/>
           <ac:spMkLst>
@@ -188,13 +214,37 @@
             <ac:spMk id="9" creationId="{00000000-0000-0000-0000-000000000000}"/>
           </ac:spMkLst>
         </pc:spChg>
+        <pc:spChg chg="mod">
+          <ac:chgData name="dattajayshri@gmail.com" userId="033ff451c94eedde" providerId="LiveId" clId="{A948A714-8DDF-4523-82A0-009A7FC8F1AE}" dt="2026-02-25T16:42:27.619" v="322" actId="14100"/>
+          <ac:spMkLst>
+            <pc:docMk/>
+            <pc:sldMk cId="3822380123" sldId="285"/>
+            <ac:spMk id="11" creationId="{00000000-0000-0000-0000-000000000000}"/>
+          </ac:spMkLst>
+        </pc:spChg>
+        <pc:picChg chg="mod">
+          <ac:chgData name="dattajayshri@gmail.com" userId="033ff451c94eedde" providerId="LiveId" clId="{A948A714-8DDF-4523-82A0-009A7FC8F1AE}" dt="2026-02-25T16:40:26.676" v="300" actId="1076"/>
+          <ac:picMkLst>
+            <pc:docMk/>
+            <pc:sldMk cId="3822380123" sldId="285"/>
+            <ac:picMk id="10" creationId="{00000000-0000-0000-0000-000000000000}"/>
+          </ac:picMkLst>
+        </pc:picChg>
       </pc:sldChg>
       <pc:sldChg chg="modSp mod">
-        <pc:chgData name="dattajayshri@gmail.com" userId="033ff451c94eedde" providerId="LiveId" clId="{A948A714-8DDF-4523-82A0-009A7FC8F1AE}" dt="2026-02-24T16:47:52.655" v="12" actId="207"/>
+        <pc:chgData name="dattajayshri@gmail.com" userId="033ff451c94eedde" providerId="LiveId" clId="{A948A714-8DDF-4523-82A0-009A7FC8F1AE}" dt="2026-02-25T16:39:53.070" v="295"/>
         <pc:sldMkLst>
           <pc:docMk/>
           <pc:sldMk cId="0" sldId="320"/>
         </pc:sldMkLst>
+        <pc:spChg chg="mod">
+          <ac:chgData name="dattajayshri@gmail.com" userId="033ff451c94eedde" providerId="LiveId" clId="{A948A714-8DDF-4523-82A0-009A7FC8F1AE}" dt="2026-02-25T16:39:53.070" v="295"/>
+          <ac:spMkLst>
+            <pc:docMk/>
+            <pc:sldMk cId="0" sldId="320"/>
+            <ac:spMk id="2" creationId="{00000000-0000-0000-0000-000000000000}"/>
+          </ac:spMkLst>
+        </pc:spChg>
         <pc:graphicFrameChg chg="modGraphic">
           <ac:chgData name="dattajayshri@gmail.com" userId="033ff451c94eedde" providerId="LiveId" clId="{A948A714-8DDF-4523-82A0-009A7FC8F1AE}" dt="2026-02-24T16:47:52.655" v="12" actId="207"/>
           <ac:graphicFrameMkLst>
@@ -205,7 +255,7 @@
         </pc:graphicFrameChg>
       </pc:sldChg>
       <pc:sldChg chg="modSp mod">
-        <pc:chgData name="dattajayshri@gmail.com" userId="033ff451c94eedde" providerId="LiveId" clId="{A948A714-8DDF-4523-82A0-009A7FC8F1AE}" dt="2026-02-24T16:48:03.861" v="14" actId="207"/>
+        <pc:chgData name="dattajayshri@gmail.com" userId="033ff451c94eedde" providerId="LiveId" clId="{A948A714-8DDF-4523-82A0-009A7FC8F1AE}" dt="2026-02-25T16:47:51.601" v="379" actId="207"/>
         <pc:sldMkLst>
           <pc:docMk/>
           <pc:sldMk cId="2664312309" sldId="322"/>
@@ -219,22 +269,30 @@
           </ac:spMkLst>
         </pc:spChg>
         <pc:spChg chg="mod">
-          <ac:chgData name="dattajayshri@gmail.com" userId="033ff451c94eedde" providerId="LiveId" clId="{A948A714-8DDF-4523-82A0-009A7FC8F1AE}" dt="2026-02-24T16:48:03.861" v="14" actId="207"/>
+          <ac:chgData name="dattajayshri@gmail.com" userId="033ff451c94eedde" providerId="LiveId" clId="{A948A714-8DDF-4523-82A0-009A7FC8F1AE}" dt="2026-02-25T16:47:51.601" v="379" actId="207"/>
           <ac:spMkLst>
             <pc:docMk/>
             <pc:sldMk cId="2664312309" sldId="322"/>
             <ac:spMk id="3" creationId="{D830B2FD-DAD5-0293-707D-6E5C1356AC0C}"/>
           </ac:spMkLst>
         </pc:spChg>
+        <pc:spChg chg="mod">
+          <ac:chgData name="dattajayshri@gmail.com" userId="033ff451c94eedde" providerId="LiveId" clId="{A948A714-8DDF-4523-82A0-009A7FC8F1AE}" dt="2026-02-25T16:39:45.766" v="294"/>
+          <ac:spMkLst>
+            <pc:docMk/>
+            <pc:sldMk cId="2664312309" sldId="322"/>
+            <ac:spMk id="4" creationId="{DDCFE695-0733-264F-4611-507BA7831E20}"/>
+          </ac:spMkLst>
+        </pc:spChg>
       </pc:sldChg>
       <pc:sldChg chg="modSp mod">
-        <pc:chgData name="dattajayshri@gmail.com" userId="033ff451c94eedde" providerId="LiveId" clId="{A948A714-8DDF-4523-82A0-009A7FC8F1AE}" dt="2026-02-24T16:55:20.119" v="46" actId="123"/>
+        <pc:chgData name="dattajayshri@gmail.com" userId="033ff451c94eedde" providerId="LiveId" clId="{A948A714-8DDF-4523-82A0-009A7FC8F1AE}" dt="2026-02-25T16:39:40.473" v="293"/>
         <pc:sldMkLst>
           <pc:docMk/>
           <pc:sldMk cId="1752085495" sldId="323"/>
         </pc:sldMkLst>
         <pc:spChg chg="mod">
-          <ac:chgData name="dattajayshri@gmail.com" userId="033ff451c94eedde" providerId="LiveId" clId="{A948A714-8DDF-4523-82A0-009A7FC8F1AE}" dt="2026-02-24T16:55:20.119" v="46" actId="123"/>
+          <ac:chgData name="dattajayshri@gmail.com" userId="033ff451c94eedde" providerId="LiveId" clId="{A948A714-8DDF-4523-82A0-009A7FC8F1AE}" dt="2026-02-25T15:37:13.459" v="100" actId="5793"/>
           <ac:spMkLst>
             <pc:docMk/>
             <pc:sldMk cId="1752085495" sldId="323"/>
@@ -249,9 +307,17 @@
             <ac:spMk id="3" creationId="{35824777-082A-7563-52A3-55CCFCBB0A6E}"/>
           </ac:spMkLst>
         </pc:spChg>
+        <pc:spChg chg="mod">
+          <ac:chgData name="dattajayshri@gmail.com" userId="033ff451c94eedde" providerId="LiveId" clId="{A948A714-8DDF-4523-82A0-009A7FC8F1AE}" dt="2026-02-25T16:39:40.473" v="293"/>
+          <ac:spMkLst>
+            <pc:docMk/>
+            <pc:sldMk cId="1752085495" sldId="323"/>
+            <ac:spMk id="4" creationId="{28E9F038-5E69-0AEE-E3CD-3D7554C3E21A}"/>
+          </ac:spMkLst>
+        </pc:spChg>
       </pc:sldChg>
       <pc:sldChg chg="modSp mod">
-        <pc:chgData name="dattajayshri@gmail.com" userId="033ff451c94eedde" providerId="LiveId" clId="{A948A714-8DDF-4523-82A0-009A7FC8F1AE}" dt="2026-02-24T16:55:03.759" v="45" actId="123"/>
+        <pc:chgData name="dattajayshri@gmail.com" userId="033ff451c94eedde" providerId="LiveId" clId="{A948A714-8DDF-4523-82A0-009A7FC8F1AE}" dt="2026-02-25T16:48:20.524" v="380" actId="1076"/>
         <pc:sldMkLst>
           <pc:docMk/>
           <pc:sldMk cId="2503883862" sldId="324"/>
@@ -264,15 +330,31 @@
             <ac:spMk id="2" creationId="{BE5B7853-AE87-16B8-88C3-5A44290475FF}"/>
           </ac:spMkLst>
         </pc:spChg>
+        <pc:spChg chg="mod">
+          <ac:chgData name="dattajayshri@gmail.com" userId="033ff451c94eedde" providerId="LiveId" clId="{A948A714-8DDF-4523-82A0-009A7FC8F1AE}" dt="2026-02-25T16:48:20.524" v="380" actId="1076"/>
+          <ac:spMkLst>
+            <pc:docMk/>
+            <pc:sldMk cId="2503883862" sldId="324"/>
+            <ac:spMk id="3" creationId="{E888F333-87A7-48EF-CC1B-C10164EC3411}"/>
+          </ac:spMkLst>
+        </pc:spChg>
+        <pc:spChg chg="mod">
+          <ac:chgData name="dattajayshri@gmail.com" userId="033ff451c94eedde" providerId="LiveId" clId="{A948A714-8DDF-4523-82A0-009A7FC8F1AE}" dt="2026-02-25T16:39:35.593" v="292"/>
+          <ac:spMkLst>
+            <pc:docMk/>
+            <pc:sldMk cId="2503883862" sldId="324"/>
+            <ac:spMk id="4" creationId="{26173C47-775C-6CB5-CDB0-756BF7D78C32}"/>
+          </ac:spMkLst>
+        </pc:spChg>
       </pc:sldChg>
       <pc:sldChg chg="modSp mod">
-        <pc:chgData name="dattajayshri@gmail.com" userId="033ff451c94eedde" providerId="LiveId" clId="{A948A714-8DDF-4523-82A0-009A7FC8F1AE}" dt="2026-02-24T16:48:27.666" v="18" actId="207"/>
+        <pc:chgData name="dattajayshri@gmail.com" userId="033ff451c94eedde" providerId="LiveId" clId="{A948A714-8DDF-4523-82A0-009A7FC8F1AE}" dt="2026-02-25T16:48:32.835" v="382" actId="1076"/>
         <pc:sldMkLst>
           <pc:docMk/>
           <pc:sldMk cId="2196793442" sldId="325"/>
         </pc:sldMkLst>
         <pc:spChg chg="mod">
-          <ac:chgData name="dattajayshri@gmail.com" userId="033ff451c94eedde" providerId="LiveId" clId="{A948A714-8DDF-4523-82A0-009A7FC8F1AE}" dt="2026-02-24T16:48:23.038" v="17" actId="207"/>
+          <ac:chgData name="dattajayshri@gmail.com" userId="033ff451c94eedde" providerId="LiveId" clId="{A948A714-8DDF-4523-82A0-009A7FC8F1AE}" dt="2026-02-25T16:48:28.078" v="381" actId="1076"/>
           <ac:spMkLst>
             <pc:docMk/>
             <pc:sldMk cId="2196793442" sldId="325"/>
@@ -280,22 +362,30 @@
           </ac:spMkLst>
         </pc:spChg>
         <pc:spChg chg="mod">
-          <ac:chgData name="dattajayshri@gmail.com" userId="033ff451c94eedde" providerId="LiveId" clId="{A948A714-8DDF-4523-82A0-009A7FC8F1AE}" dt="2026-02-24T16:48:27.666" v="18" actId="207"/>
+          <ac:chgData name="dattajayshri@gmail.com" userId="033ff451c94eedde" providerId="LiveId" clId="{A948A714-8DDF-4523-82A0-009A7FC8F1AE}" dt="2026-02-25T16:48:32.835" v="382" actId="1076"/>
           <ac:spMkLst>
             <pc:docMk/>
             <pc:sldMk cId="2196793442" sldId="325"/>
             <ac:spMk id="3" creationId="{FA8BFDD4-6941-4C3E-32A3-F0194B789294}"/>
           </ac:spMkLst>
         </pc:spChg>
+        <pc:spChg chg="mod">
+          <ac:chgData name="dattajayshri@gmail.com" userId="033ff451c94eedde" providerId="LiveId" clId="{A948A714-8DDF-4523-82A0-009A7FC8F1AE}" dt="2026-02-25T16:39:30.938" v="291"/>
+          <ac:spMkLst>
+            <pc:docMk/>
+            <pc:sldMk cId="2196793442" sldId="325"/>
+            <ac:spMk id="4" creationId="{C91E93C3-B1E8-B58A-A0EC-6CD9246F7CC4}"/>
+          </ac:spMkLst>
+        </pc:spChg>
       </pc:sldChg>
-      <pc:sldChg chg="modSp mod">
-        <pc:chgData name="dattajayshri@gmail.com" userId="033ff451c94eedde" providerId="LiveId" clId="{A948A714-8DDF-4523-82A0-009A7FC8F1AE}" dt="2026-02-24T16:48:41.182" v="20" actId="207"/>
+      <pc:sldChg chg="addSp delSp modSp mod">
+        <pc:chgData name="dattajayshri@gmail.com" userId="033ff451c94eedde" providerId="LiveId" clId="{A948A714-8DDF-4523-82A0-009A7FC8F1AE}" dt="2026-02-25T16:41:58.652" v="318" actId="1076"/>
         <pc:sldMkLst>
           <pc:docMk/>
           <pc:sldMk cId="321960715" sldId="326"/>
         </pc:sldMkLst>
-        <pc:spChg chg="mod">
-          <ac:chgData name="dattajayshri@gmail.com" userId="033ff451c94eedde" providerId="LiveId" clId="{A948A714-8DDF-4523-82A0-009A7FC8F1AE}" dt="2026-02-24T16:48:41.182" v="20" actId="207"/>
+        <pc:spChg chg="del mod">
+          <ac:chgData name="dattajayshri@gmail.com" userId="033ff451c94eedde" providerId="LiveId" clId="{A948A714-8DDF-4523-82A0-009A7FC8F1AE}" dt="2026-02-25T13:47:37.802" v="83" actId="478"/>
           <ac:spMkLst>
             <pc:docMk/>
             <pc:sldMk cId="321960715" sldId="326"/>
@@ -310,9 +400,57 @@
             <ac:spMk id="3" creationId="{6DB09E1D-CFA5-5951-92D2-FEA7265CC20D}"/>
           </ac:spMkLst>
         </pc:spChg>
+        <pc:spChg chg="mod">
+          <ac:chgData name="dattajayshri@gmail.com" userId="033ff451c94eedde" providerId="LiveId" clId="{A948A714-8DDF-4523-82A0-009A7FC8F1AE}" dt="2026-02-25T16:41:58.652" v="318" actId="1076"/>
+          <ac:spMkLst>
+            <pc:docMk/>
+            <pc:sldMk cId="321960715" sldId="326"/>
+            <ac:spMk id="4" creationId="{6EFAD06F-774D-29B2-A504-4CC414B6DDDF}"/>
+          </ac:spMkLst>
+        </pc:spChg>
+        <pc:spChg chg="add del">
+          <ac:chgData name="dattajayshri@gmail.com" userId="033ff451c94eedde" providerId="LiveId" clId="{A948A714-8DDF-4523-82A0-009A7FC8F1AE}" dt="2026-02-25T13:47:02.560" v="77" actId="478"/>
+          <ac:spMkLst>
+            <pc:docMk/>
+            <pc:sldMk cId="321960715" sldId="326"/>
+            <ac:spMk id="10" creationId="{A9205CEE-763A-EE88-FC1F-47DED312CA80}"/>
+          </ac:spMkLst>
+        </pc:spChg>
+        <pc:spChg chg="add del mod">
+          <ac:chgData name="dattajayshri@gmail.com" userId="033ff451c94eedde" providerId="LiveId" clId="{A948A714-8DDF-4523-82A0-009A7FC8F1AE}" dt="2026-02-25T13:47:41.318" v="85"/>
+          <ac:spMkLst>
+            <pc:docMk/>
+            <pc:sldMk cId="321960715" sldId="326"/>
+            <ac:spMk id="12" creationId="{9CD206CF-1662-3264-C561-EC276A1E51BF}"/>
+          </ac:spMkLst>
+        </pc:spChg>
+        <pc:picChg chg="add del mod">
+          <ac:chgData name="dattajayshri@gmail.com" userId="033ff451c94eedde" providerId="LiveId" clId="{A948A714-8DDF-4523-82A0-009A7FC8F1AE}" dt="2026-02-25T13:42:03.438" v="71" actId="478"/>
+          <ac:picMkLst>
+            <pc:docMk/>
+            <pc:sldMk cId="321960715" sldId="326"/>
+            <ac:picMk id="7" creationId="{30596A42-0A83-C2D6-A430-A14AC19E0603}"/>
+          </ac:picMkLst>
+        </pc:picChg>
+        <pc:picChg chg="add del mod">
+          <ac:chgData name="dattajayshri@gmail.com" userId="033ff451c94eedde" providerId="LiveId" clId="{A948A714-8DDF-4523-82A0-009A7FC8F1AE}" dt="2026-02-25T13:46:53.842" v="75" actId="478"/>
+          <ac:picMkLst>
+            <pc:docMk/>
+            <pc:sldMk cId="321960715" sldId="326"/>
+            <ac:picMk id="9" creationId="{EB38C8F3-957E-65FF-CA9B-87CF8899610C}"/>
+          </ac:picMkLst>
+        </pc:picChg>
+        <pc:picChg chg="add mod ord">
+          <ac:chgData name="dattajayshri@gmail.com" userId="033ff451c94eedde" providerId="LiveId" clId="{A948A714-8DDF-4523-82A0-009A7FC8F1AE}" dt="2026-02-25T13:48:36.947" v="92" actId="14100"/>
+          <ac:picMkLst>
+            <pc:docMk/>
+            <pc:sldMk cId="321960715" sldId="326"/>
+            <ac:picMk id="14" creationId="{9B8CD4B5-9877-F8ED-6A47-A5E020BB2C09}"/>
+          </ac:picMkLst>
+        </pc:picChg>
       </pc:sldChg>
       <pc:sldChg chg="modSp mod">
-        <pc:chgData name="dattajayshri@gmail.com" userId="033ff451c94eedde" providerId="LiveId" clId="{A948A714-8DDF-4523-82A0-009A7FC8F1AE}" dt="2026-02-24T16:53:35.618" v="38" actId="123"/>
+        <pc:chgData name="dattajayshri@gmail.com" userId="033ff451c94eedde" providerId="LiveId" clId="{A948A714-8DDF-4523-82A0-009A7FC8F1AE}" dt="2026-02-25T16:38:33.044" v="285"/>
         <pc:sldMkLst>
           <pc:docMk/>
           <pc:sldMk cId="1224851549" sldId="327"/>
@@ -333,15 +471,23 @@
             <ac:spMk id="3" creationId="{2A1CCDBE-52C3-047B-EAA0-1BD52F8FBEBC}"/>
           </ac:spMkLst>
         </pc:spChg>
+        <pc:spChg chg="mod">
+          <ac:chgData name="dattajayshri@gmail.com" userId="033ff451c94eedde" providerId="LiveId" clId="{A948A714-8DDF-4523-82A0-009A7FC8F1AE}" dt="2026-02-25T16:38:33.044" v="285"/>
+          <ac:spMkLst>
+            <pc:docMk/>
+            <pc:sldMk cId="1224851549" sldId="327"/>
+            <ac:spMk id="4" creationId="{3908BDB3-4B2D-9D93-3B9D-BF34CFF2D187}"/>
+          </ac:spMkLst>
+        </pc:spChg>
       </pc:sldChg>
-      <pc:sldChg chg="modSp mod">
-        <pc:chgData name="dattajayshri@gmail.com" userId="033ff451c94eedde" providerId="LiveId" clId="{A948A714-8DDF-4523-82A0-009A7FC8F1AE}" dt="2026-02-24T16:49:13.401" v="23" actId="207"/>
+      <pc:sldChg chg="addSp delSp modSp mod">
+        <pc:chgData name="dattajayshri@gmail.com" userId="033ff451c94eedde" providerId="LiveId" clId="{A948A714-8DDF-4523-82A0-009A7FC8F1AE}" dt="2026-02-25T16:53:30.963" v="399" actId="14100"/>
         <pc:sldMkLst>
           <pc:docMk/>
           <pc:sldMk cId="2025023298" sldId="329"/>
         </pc:sldMkLst>
         <pc:spChg chg="mod">
-          <ac:chgData name="dattajayshri@gmail.com" userId="033ff451c94eedde" providerId="LiveId" clId="{A948A714-8DDF-4523-82A0-009A7FC8F1AE}" dt="2026-02-24T16:49:08.396" v="22" actId="207"/>
+          <ac:chgData name="dattajayshri@gmail.com" userId="033ff451c94eedde" providerId="LiveId" clId="{A948A714-8DDF-4523-82A0-009A7FC8F1AE}" dt="2026-02-25T16:53:30.963" v="399" actId="14100"/>
           <ac:spMkLst>
             <pc:docMk/>
             <pc:sldMk cId="2025023298" sldId="329"/>
@@ -349,16 +495,40 @@
           </ac:spMkLst>
         </pc:spChg>
         <pc:spChg chg="mod">
-          <ac:chgData name="dattajayshri@gmail.com" userId="033ff451c94eedde" providerId="LiveId" clId="{A948A714-8DDF-4523-82A0-009A7FC8F1AE}" dt="2026-02-24T16:49:13.401" v="23" actId="207"/>
+          <ac:chgData name="dattajayshri@gmail.com" userId="033ff451c94eedde" providerId="LiveId" clId="{A948A714-8DDF-4523-82A0-009A7FC8F1AE}" dt="2026-02-25T16:47:28.632" v="378" actId="1076"/>
           <ac:spMkLst>
             <pc:docMk/>
             <pc:sldMk cId="2025023298" sldId="329"/>
             <ac:spMk id="3" creationId="{4643C1CF-1C87-375E-3112-A205E9F04A12}"/>
           </ac:spMkLst>
         </pc:spChg>
+        <pc:spChg chg="add">
+          <ac:chgData name="dattajayshri@gmail.com" userId="033ff451c94eedde" providerId="LiveId" clId="{A948A714-8DDF-4523-82A0-009A7FC8F1AE}" dt="2026-02-25T16:52:22.622" v="383"/>
+          <ac:spMkLst>
+            <pc:docMk/>
+            <pc:sldMk cId="2025023298" sldId="329"/>
+            <ac:spMk id="6" creationId="{EC09831C-DA5B-3826-C053-AD09B3A55A23}"/>
+          </ac:spMkLst>
+        </pc:spChg>
+        <pc:spChg chg="add mod">
+          <ac:chgData name="dattajayshri@gmail.com" userId="033ff451c94eedde" providerId="LiveId" clId="{A948A714-8DDF-4523-82A0-009A7FC8F1AE}" dt="2026-02-25T16:52:32.723" v="389"/>
+          <ac:spMkLst>
+            <pc:docMk/>
+            <pc:sldMk cId="2025023298" sldId="329"/>
+            <ac:spMk id="7" creationId="{00BBC00C-1C0D-315F-F583-5AF49885BF37}"/>
+          </ac:spMkLst>
+        </pc:spChg>
+        <pc:spChg chg="add del mod">
+          <ac:chgData name="dattajayshri@gmail.com" userId="033ff451c94eedde" providerId="LiveId" clId="{A948A714-8DDF-4523-82A0-009A7FC8F1AE}" dt="2026-02-25T16:53:00.732" v="395" actId="478"/>
+          <ac:spMkLst>
+            <pc:docMk/>
+            <pc:sldMk cId="2025023298" sldId="329"/>
+            <ac:spMk id="8" creationId="{96555BC4-E02C-CE60-E2D2-737C929FC3C6}"/>
+          </ac:spMkLst>
+        </pc:spChg>
       </pc:sldChg>
-      <pc:sldChg chg="modSp mod">
-        <pc:chgData name="dattajayshri@gmail.com" userId="033ff451c94eedde" providerId="LiveId" clId="{A948A714-8DDF-4523-82A0-009A7FC8F1AE}" dt="2026-02-24T16:48:56.687" v="21" actId="207"/>
+      <pc:sldChg chg="modSp del mod">
+        <pc:chgData name="dattajayshri@gmail.com" userId="033ff451c94eedde" providerId="LiveId" clId="{A948A714-8DDF-4523-82A0-009A7FC8F1AE}" dt="2026-02-25T13:48:05.379" v="87" actId="2696"/>
         <pc:sldMkLst>
           <pc:docMk/>
           <pc:sldMk cId="1801273714" sldId="330"/>
@@ -373,7 +543,7 @@
         </pc:spChg>
       </pc:sldChg>
       <pc:sldChg chg="modSp mod">
-        <pc:chgData name="dattajayshri@gmail.com" userId="033ff451c94eedde" providerId="LiveId" clId="{A948A714-8DDF-4523-82A0-009A7FC8F1AE}" dt="2026-02-24T16:49:40.820" v="26" actId="207"/>
+        <pc:chgData name="dattajayshri@gmail.com" userId="033ff451c94eedde" providerId="LiveId" clId="{A948A714-8DDF-4523-82A0-009A7FC8F1AE}" dt="2026-02-25T16:41:56.864" v="317" actId="20577"/>
         <pc:sldMkLst>
           <pc:docMk/>
           <pc:sldMk cId="1419185277" sldId="331"/>
@@ -394,19 +564,190 @@
             <ac:spMk id="3" creationId="{A13E0D2E-4BF3-B126-7085-155BF00C2078}"/>
           </ac:spMkLst>
         </pc:spChg>
+        <pc:spChg chg="mod">
+          <ac:chgData name="dattajayshri@gmail.com" userId="033ff451c94eedde" providerId="LiveId" clId="{A948A714-8DDF-4523-82A0-009A7FC8F1AE}" dt="2026-02-25T16:41:56.864" v="317" actId="20577"/>
+          <ac:spMkLst>
+            <pc:docMk/>
+            <pc:sldMk cId="1419185277" sldId="331"/>
+            <ac:spMk id="4" creationId="{EF167165-3007-9226-C015-297930566E8C}"/>
+          </ac:spMkLst>
+        </pc:spChg>
+      </pc:sldChg>
+      <pc:sldChg chg="addSp modSp mod">
+        <pc:chgData name="dattajayshri@gmail.com" userId="033ff451c94eedde" providerId="LiveId" clId="{A948A714-8DDF-4523-82A0-009A7FC8F1AE}" dt="2026-02-25T16:55:47.176" v="424" actId="14100"/>
+        <pc:sldMkLst>
+          <pc:docMk/>
+          <pc:sldMk cId="1748610189" sldId="332"/>
+        </pc:sldMkLst>
+        <pc:spChg chg="mod">
+          <ac:chgData name="dattajayshri@gmail.com" userId="033ff451c94eedde" providerId="LiveId" clId="{A948A714-8DDF-4523-82A0-009A7FC8F1AE}" dt="2026-02-25T16:55:47.176" v="424" actId="14100"/>
+          <ac:spMkLst>
+            <pc:docMk/>
+            <pc:sldMk cId="1748610189" sldId="332"/>
+            <ac:spMk id="2" creationId="{127C31C8-CDE6-623B-B5A1-E5698D6EB0E1}"/>
+          </ac:spMkLst>
+        </pc:spChg>
+        <pc:spChg chg="mod">
+          <ac:chgData name="dattajayshri@gmail.com" userId="033ff451c94eedde" providerId="LiveId" clId="{A948A714-8DDF-4523-82A0-009A7FC8F1AE}" dt="2026-02-25T16:38:54.606" v="287"/>
+          <ac:spMkLst>
+            <pc:docMk/>
+            <pc:sldMk cId="1748610189" sldId="332"/>
+            <ac:spMk id="4" creationId="{3088132D-6AD0-7D0E-FB02-55573F7F6BD9}"/>
+          </ac:spMkLst>
+        </pc:spChg>
+        <pc:spChg chg="add">
+          <ac:chgData name="dattajayshri@gmail.com" userId="033ff451c94eedde" providerId="LiveId" clId="{A948A714-8DDF-4523-82A0-009A7FC8F1AE}" dt="2026-02-25T16:54:08.338" v="402"/>
+          <ac:spMkLst>
+            <pc:docMk/>
+            <pc:sldMk cId="1748610189" sldId="332"/>
+            <ac:spMk id="6" creationId="{09F23540-E2AA-17AF-5144-2C894DF203E3}"/>
+          </ac:spMkLst>
+        </pc:spChg>
       </pc:sldChg>
       <pc:sldChg chg="modSp mod">
-        <pc:chgData name="dattajayshri@gmail.com" userId="033ff451c94eedde" providerId="LiveId" clId="{A948A714-8DDF-4523-82A0-009A7FC8F1AE}" dt="2026-02-24T16:54:31.405" v="44" actId="20577"/>
+        <pc:chgData name="dattajayshri@gmail.com" userId="033ff451c94eedde" providerId="LiveId" clId="{A948A714-8DDF-4523-82A0-009A7FC8F1AE}" dt="2026-02-25T16:56:08.758" v="425" actId="14100"/>
         <pc:sldMkLst>
           <pc:docMk/>
           <pc:sldMk cId="3923996172" sldId="333"/>
         </pc:sldMkLst>
         <pc:spChg chg="mod">
-          <ac:chgData name="dattajayshri@gmail.com" userId="033ff451c94eedde" providerId="LiveId" clId="{A948A714-8DDF-4523-82A0-009A7FC8F1AE}" dt="2026-02-24T16:54:31.405" v="44" actId="20577"/>
+          <ac:chgData name="dattajayshri@gmail.com" userId="033ff451c94eedde" providerId="LiveId" clId="{A948A714-8DDF-4523-82A0-009A7FC8F1AE}" dt="2026-02-25T16:56:08.758" v="425" actId="14100"/>
           <ac:spMkLst>
             <pc:docMk/>
             <pc:sldMk cId="3923996172" sldId="333"/>
             <ac:spMk id="2" creationId="{A695FE95-0EDF-E289-2993-E674855D3A27}"/>
+          </ac:spMkLst>
+        </pc:spChg>
+        <pc:spChg chg="mod">
+          <ac:chgData name="dattajayshri@gmail.com" userId="033ff451c94eedde" providerId="LiveId" clId="{A948A714-8DDF-4523-82A0-009A7FC8F1AE}" dt="2026-02-25T16:38:44.569" v="286"/>
+          <ac:spMkLst>
+            <pc:docMk/>
+            <pc:sldMk cId="3923996172" sldId="333"/>
+            <ac:spMk id="4" creationId="{90F00F84-CB07-47B1-F24D-587DBA09F332}"/>
+          </ac:spMkLst>
+        </pc:spChg>
+      </pc:sldChg>
+      <pc:sldChg chg="modSp new del mod">
+        <pc:chgData name="dattajayshri@gmail.com" userId="033ff451c94eedde" providerId="LiveId" clId="{A948A714-8DDF-4523-82A0-009A7FC8F1AE}" dt="2026-02-25T15:36:02.135" v="98" actId="47"/>
+        <pc:sldMkLst>
+          <pc:docMk/>
+          <pc:sldMk cId="398683641" sldId="334"/>
+        </pc:sldMkLst>
+        <pc:spChg chg="mod">
+          <ac:chgData name="dattajayshri@gmail.com" userId="033ff451c94eedde" providerId="LiveId" clId="{A948A714-8DDF-4523-82A0-009A7FC8F1AE}" dt="2026-02-25T15:35:04.507" v="94"/>
+          <ac:spMkLst>
+            <pc:docMk/>
+            <pc:sldMk cId="398683641" sldId="334"/>
+            <ac:spMk id="2" creationId="{14FC3808-7E22-15F1-99AF-3F440BA1396B}"/>
+          </ac:spMkLst>
+        </pc:spChg>
+        <pc:spChg chg="mod">
+          <ac:chgData name="dattajayshri@gmail.com" userId="033ff451c94eedde" providerId="LiveId" clId="{A948A714-8DDF-4523-82A0-009A7FC8F1AE}" dt="2026-02-25T15:36:00.516" v="97" actId="6549"/>
+          <ac:spMkLst>
+            <pc:docMk/>
+            <pc:sldMk cId="398683641" sldId="334"/>
+            <ac:spMk id="3" creationId="{679BA62D-53FC-948A-A3DA-755D1E8AE19C}"/>
+          </ac:spMkLst>
+        </pc:spChg>
+      </pc:sldChg>
+      <pc:sldChg chg="new del">
+        <pc:chgData name="dattajayshri@gmail.com" userId="033ff451c94eedde" providerId="LiveId" clId="{A948A714-8DDF-4523-82A0-009A7FC8F1AE}" dt="2026-02-25T15:49:27.622" v="122" actId="2696"/>
+        <pc:sldMkLst>
+          <pc:docMk/>
+          <pc:sldMk cId="1155626714" sldId="334"/>
+        </pc:sldMkLst>
+      </pc:sldChg>
+      <pc:sldChg chg="addSp delSp modSp new mod">
+        <pc:chgData name="dattajayshri@gmail.com" userId="033ff451c94eedde" providerId="LiveId" clId="{A948A714-8DDF-4523-82A0-009A7FC8F1AE}" dt="2026-02-25T16:47:12.801" v="377" actId="14100"/>
+        <pc:sldMkLst>
+          <pc:docMk/>
+          <pc:sldMk cId="705122338" sldId="335"/>
+        </pc:sldMkLst>
+        <pc:spChg chg="add del mod">
+          <ac:chgData name="dattajayshri@gmail.com" userId="033ff451c94eedde" providerId="LiveId" clId="{A948A714-8DDF-4523-82A0-009A7FC8F1AE}" dt="2026-02-25T16:04:02.448" v="242" actId="14100"/>
+          <ac:spMkLst>
+            <pc:docMk/>
+            <pc:sldMk cId="705122338" sldId="335"/>
+            <ac:spMk id="2" creationId="{633750CE-6AA4-5E42-DB4A-AC7E85CCFF21}"/>
+          </ac:spMkLst>
+        </pc:spChg>
+        <pc:spChg chg="mod">
+          <ac:chgData name="dattajayshri@gmail.com" userId="033ff451c94eedde" providerId="LiveId" clId="{A948A714-8DDF-4523-82A0-009A7FC8F1AE}" dt="2026-02-25T15:47:52.066" v="113" actId="27636"/>
+          <ac:spMkLst>
+            <pc:docMk/>
+            <pc:sldMk cId="705122338" sldId="335"/>
+            <ac:spMk id="3" creationId="{46B930B5-5852-F754-6179-57D5B2601582}"/>
+          </ac:spMkLst>
+        </pc:spChg>
+        <pc:spChg chg="mod">
+          <ac:chgData name="dattajayshri@gmail.com" userId="033ff451c94eedde" providerId="LiveId" clId="{A948A714-8DDF-4523-82A0-009A7FC8F1AE}" dt="2026-02-25T16:39:02.198" v="288"/>
+          <ac:spMkLst>
+            <pc:docMk/>
+            <pc:sldMk cId="705122338" sldId="335"/>
+            <ac:spMk id="4" creationId="{E31E06AF-6930-5AF7-FA81-E776D774BAFD}"/>
+          </ac:spMkLst>
+        </pc:spChg>
+        <pc:spChg chg="add del mod">
+          <ac:chgData name="dattajayshri@gmail.com" userId="033ff451c94eedde" providerId="LiveId" clId="{A948A714-8DDF-4523-82A0-009A7FC8F1AE}" dt="2026-02-25T15:57:11.491" v="152" actId="21"/>
+          <ac:spMkLst>
+            <pc:docMk/>
+            <pc:sldMk cId="705122338" sldId="335"/>
+            <ac:spMk id="8" creationId="{A4859D1F-15AE-9087-3F1E-F106F70E2DA6}"/>
+          </ac:spMkLst>
+        </pc:spChg>
+        <pc:spChg chg="add mod">
+          <ac:chgData name="dattajayshri@gmail.com" userId="033ff451c94eedde" providerId="LiveId" clId="{A948A714-8DDF-4523-82A0-009A7FC8F1AE}" dt="2026-02-25T15:57:18.197" v="154"/>
+          <ac:spMkLst>
+            <pc:docMk/>
+            <pc:sldMk cId="705122338" sldId="335"/>
+            <ac:spMk id="9" creationId="{633750CE-6AA4-5E42-DB4A-AC7E85CCFF21}"/>
+          </ac:spMkLst>
+        </pc:spChg>
+        <pc:graphicFrameChg chg="add del mod modGraphic">
+          <ac:chgData name="dattajayshri@gmail.com" userId="033ff451c94eedde" providerId="LiveId" clId="{A948A714-8DDF-4523-82A0-009A7FC8F1AE}" dt="2026-02-25T16:47:12.801" v="377" actId="14100"/>
+          <ac:graphicFrameMkLst>
+            <pc:docMk/>
+            <pc:sldMk cId="705122338" sldId="335"/>
+            <ac:graphicFrameMk id="6" creationId="{10F053D5-C18F-66A5-FEEF-F469ABDA7E66}"/>
+          </ac:graphicFrameMkLst>
+        </pc:graphicFrameChg>
+        <pc:graphicFrameChg chg="add mod">
+          <ac:chgData name="dattajayshri@gmail.com" userId="033ff451c94eedde" providerId="LiveId" clId="{A948A714-8DDF-4523-82A0-009A7FC8F1AE}" dt="2026-02-25T15:57:17.269" v="153"/>
+          <ac:graphicFrameMkLst>
+            <pc:docMk/>
+            <pc:sldMk cId="705122338" sldId="335"/>
+            <ac:graphicFrameMk id="10" creationId="{10F053D5-C18F-66A5-FEEF-F469ABDA7E66}"/>
+          </ac:graphicFrameMkLst>
+        </pc:graphicFrameChg>
+      </pc:sldChg>
+      <pc:sldChg chg="delSp modSp new mod">
+        <pc:chgData name="dattajayshri@gmail.com" userId="033ff451c94eedde" providerId="LiveId" clId="{A948A714-8DDF-4523-82A0-009A7FC8F1AE}" dt="2026-02-25T16:44:38.264" v="350" actId="20577"/>
+        <pc:sldMkLst>
+          <pc:docMk/>
+          <pc:sldMk cId="1326827130" sldId="336"/>
+        </pc:sldMkLst>
+        <pc:spChg chg="mod">
+          <ac:chgData name="dattajayshri@gmail.com" userId="033ff451c94eedde" providerId="LiveId" clId="{A948A714-8DDF-4523-82A0-009A7FC8F1AE}" dt="2026-02-25T16:44:19.893" v="345" actId="122"/>
+          <ac:spMkLst>
+            <pc:docMk/>
+            <pc:sldMk cId="1326827130" sldId="336"/>
+            <ac:spMk id="2" creationId="{8F59A6C8-3F04-5EAF-1A28-5BD26C47EE5D}"/>
+          </ac:spMkLst>
+        </pc:spChg>
+        <pc:spChg chg="del">
+          <ac:chgData name="dattajayshri@gmail.com" userId="033ff451c94eedde" providerId="LiveId" clId="{A948A714-8DDF-4523-82A0-009A7FC8F1AE}" dt="2026-02-25T16:43:38.288" v="328" actId="478"/>
+          <ac:spMkLst>
+            <pc:docMk/>
+            <pc:sldMk cId="1326827130" sldId="336"/>
+            <ac:spMk id="3" creationId="{A9C46975-97AE-4BD8-EEC2-F394544AE27F}"/>
+          </ac:spMkLst>
+        </pc:spChg>
+        <pc:spChg chg="mod">
+          <ac:chgData name="dattajayshri@gmail.com" userId="033ff451c94eedde" providerId="LiveId" clId="{A948A714-8DDF-4523-82A0-009A7FC8F1AE}" dt="2026-02-25T16:44:38.264" v="350" actId="20577"/>
+          <ac:spMkLst>
+            <pc:docMk/>
+            <pc:sldMk cId="1326827130" sldId="336"/>
+            <ac:spMk id="4" creationId="{09A72573-78EF-F7CA-04A8-FFB6F48FF054}"/>
           </ac:spMkLst>
         </pc:spChg>
       </pc:sldChg>
@@ -4304,8 +4645,8 @@
         </p:nvSpPr>
         <p:spPr>
           <a:xfrm>
-            <a:off x="0" y="55670"/>
-            <a:ext cx="9210905" cy="1299447"/>
+            <a:off x="-33453" y="17272"/>
+            <a:ext cx="9210905" cy="1236762"/>
           </a:xfrm>
           <a:solidFill>
             <a:srgbClr val="002060"/>
@@ -4358,7 +4699,7 @@
         <p:spPr>
           <a:xfrm>
             <a:off x="1114176" y="1355117"/>
-            <a:ext cx="6982550" cy="5509200"/>
+            <a:ext cx="6982550" cy="4893647"/>
           </a:xfrm>
           <a:prstGeom prst="rect">
             <a:avLst/>
@@ -4480,29 +4821,7 @@
                 <a:latin typeface="Times New Roman" panose="02020603050405020304" pitchFamily="18" charset="0"/>
                 <a:cs typeface="Times New Roman" panose="02020603050405020304" pitchFamily="18" charset="0"/>
               </a:rPr>
-              <a:t>Gold Price Prediction through Tre</a:t>
-            </a:r>
-            <a:r>
-              <a:rPr lang="en-US" sz="4000" b="1" dirty="0">
-                <a:solidFill>
-                  <a:schemeClr val="accent1">
-                    <a:lumMod val="50000"/>
-                  </a:schemeClr>
-                </a:solidFill>
-                <a:latin typeface="Times New Roman" panose="02020603050405020304" pitchFamily="18" charset="0"/>
-                <a:cs typeface="Times New Roman" panose="02020603050405020304" pitchFamily="18" charset="0"/>
-              </a:rPr>
-              <a:t>n</a:t>
-            </a:r>
-            <a:r>
-              <a:rPr lang="en-US" sz="4000" b="1" dirty="0">
-                <a:solidFill>
-                  <a:srgbClr val="002060"/>
-                </a:solidFill>
-                <a:latin typeface="Times New Roman" panose="02020603050405020304" pitchFamily="18" charset="0"/>
-                <a:cs typeface="Times New Roman" panose="02020603050405020304" pitchFamily="18" charset="0"/>
-              </a:rPr>
-              <a:t>d Analysis</a:t>
+              <a:t>Gold Price Prediction</a:t>
             </a:r>
           </a:p>
           <a:p>
@@ -4566,8 +4885,8 @@
         </p:nvSpPr>
         <p:spPr>
           <a:xfrm>
-            <a:off x="1870947" y="4269300"/>
-            <a:ext cx="5469009" cy="1969770"/>
+            <a:off x="1870948" y="4269300"/>
+            <a:ext cx="5462914" cy="1661993"/>
           </a:xfrm>
           <a:prstGeom prst="rect">
             <a:avLst/>
@@ -4579,16 +4898,6 @@
             <a:spAutoFit/>
           </a:bodyPr>
           <a:lstStyle/>
-          <a:p>
-            <a:pPr algn="ctr"/>
-            <a:endParaRPr lang="en-US" sz="2000" dirty="0">
-              <a:solidFill>
-                <a:srgbClr val="002060"/>
-              </a:solidFill>
-              <a:latin typeface="Times New Roman" panose="02020603050405020304" pitchFamily="18" charset="0"/>
-              <a:cs typeface="Times New Roman" panose="02020603050405020304" pitchFamily="18" charset="0"/>
-            </a:endParaRPr>
-          </a:p>
           <a:p>
             <a:pPr algn="ctr"/>
             <a:endParaRPr lang="en-US" sz="2000" dirty="0">
@@ -5013,10 +5322,9 @@
           <a:lstStyle/>
           <a:p>
             <a:r>
-              <a:rPr lang="en-US"/>
-              <a:t>Academic Year 2020-21 , Semester-2</a:t>
-            </a:r>
-            <a:endParaRPr lang="en-US" dirty="0"/>
+              <a:rPr lang="en-US" dirty="0"/>
+              <a:t>Academic Year 2025-26 , Semester-2</a:t>
+            </a:r>
           </a:p>
         </p:txBody>
       </p:sp>
@@ -5098,12 +5406,14 @@
         </p:nvSpPr>
         <p:spPr>
           <a:xfrm>
-            <a:off x="628650" y="1825625"/>
-            <a:ext cx="7886700" cy="1603375"/>
+            <a:off x="628650" y="1825626"/>
+            <a:ext cx="7886700" cy="2046578"/>
           </a:xfrm>
         </p:spPr>
         <p:txBody>
-          <a:bodyPr/>
+          <a:bodyPr>
+            <a:normAutofit/>
+          </a:bodyPr>
           <a:lstStyle/>
           <a:p>
             <a:r>
@@ -5118,43 +5428,53 @@
             </a:r>
           </a:p>
           <a:p>
-            <a:r>
-              <a:rPr lang="en-US" dirty="0">
-                <a:solidFill>
-                  <a:schemeClr val="accent1">
-                    <a:lumMod val="50000"/>
-                  </a:schemeClr>
-                </a:solidFill>
-              </a:rPr>
-              <a:t>Using deep learning models</a:t>
-            </a:r>
-          </a:p>
-          <a:p>
-            <a:r>
-              <a:rPr lang="en-US" dirty="0">
-                <a:solidFill>
-                  <a:schemeClr val="accent1">
-                    <a:lumMod val="50000"/>
-                  </a:schemeClr>
-                </a:solidFill>
-              </a:rPr>
-              <a:t>Real-time data prediction</a:t>
-            </a:r>
-          </a:p>
-          <a:p>
-            <a:r>
-              <a:rPr lang="en-US" dirty="0">
-                <a:solidFill>
-                  <a:schemeClr val="accent1">
-                    <a:lumMod val="50000"/>
-                  </a:schemeClr>
-                </a:solidFill>
-              </a:rPr>
-              <a:t>Creating a web dashboard</a:t>
-            </a:r>
-          </a:p>
-          <a:p>
-            <a:endParaRPr lang="en-IN" dirty="0"/>
+            <a:pPr>
+              <a:buFont typeface="Wingdings" panose="05000000000000000000" pitchFamily="2" charset="2"/>
+              <a:buChar char="Ø"/>
+            </a:pPr>
+            <a:r>
+              <a:rPr lang="en-IN" dirty="0"/>
+              <a:t>Real-time API-based data ingestion</a:t>
+            </a:r>
+          </a:p>
+          <a:p>
+            <a:pPr lvl="0">
+              <a:buFont typeface="Wingdings" panose="05000000000000000000" pitchFamily="2" charset="2"/>
+              <a:buChar char="Ø"/>
+            </a:pPr>
+            <a:r>
+              <a:rPr lang="en-IN" dirty="0"/>
+              <a:t>Sentiment analysis incorporation</a:t>
+            </a:r>
+          </a:p>
+          <a:p>
+            <a:pPr lvl="0">
+              <a:buFont typeface="Wingdings" panose="05000000000000000000" pitchFamily="2" charset="2"/>
+              <a:buChar char="Ø"/>
+            </a:pPr>
+            <a:r>
+              <a:rPr lang="en-IN" dirty="0"/>
+              <a:t>Multi-currency forecasting expansion</a:t>
+            </a:r>
+          </a:p>
+          <a:p>
+            <a:pPr lvl="0">
+              <a:buFont typeface="Wingdings" panose="05000000000000000000" pitchFamily="2" charset="2"/>
+              <a:buChar char="Ø"/>
+            </a:pPr>
+            <a:r>
+              <a:rPr lang="en-IN" dirty="0"/>
+              <a:t>Deployment as financial decision-support dashboard</a:t>
+            </a:r>
+          </a:p>
+          <a:p>
+            <a:endParaRPr lang="en-US" dirty="0">
+              <a:solidFill>
+                <a:schemeClr val="accent1">
+                  <a:lumMod val="50000"/>
+                </a:schemeClr>
+              </a:solidFill>
+            </a:endParaRPr>
           </a:p>
         </p:txBody>
       </p:sp>
@@ -5208,10 +5528,9 @@
           <a:lstStyle/>
           <a:p>
             <a:r>
-              <a:rPr lang="en-US"/>
-              <a:t>Academic Year 2020-21 , Semester-2</a:t>
-            </a:r>
-            <a:endParaRPr lang="en-US" dirty="0"/>
+              <a:rPr lang="en-US" dirty="0"/>
+              <a:t>Academic Year 2025-26 , Semester-2</a:t>
+            </a:r>
           </a:p>
         </p:txBody>
       </p:sp>
@@ -5294,7 +5613,7 @@
         <p:spPr>
           <a:xfrm>
             <a:off x="628650" y="1825625"/>
-            <a:ext cx="7886700" cy="1290799"/>
+            <a:ext cx="7886700" cy="1038873"/>
           </a:xfrm>
         </p:spPr>
         <p:txBody>
@@ -5379,10 +5698,9 @@
           <a:lstStyle/>
           <a:p>
             <a:r>
-              <a:rPr lang="en-US"/>
-              <a:t>Academic Year 2020-21 , Semester-2</a:t>
-            </a:r>
-            <a:endParaRPr lang="en-US" dirty="0"/>
+              <a:rPr lang="en-US" dirty="0"/>
+              <a:t>Academic Year 2025-26 , Semester-2</a:t>
+            </a:r>
           </a:p>
         </p:txBody>
       </p:sp>
@@ -5614,7 +5932,7 @@
                   <a:srgbClr val="002060"/>
                 </a:solidFill>
               </a:rPr>
-              <a:t>Gold Price Dataset (2026). Retrieved from GitHub Repository: </a:t>
+              <a:t>Gold Price Dataset. Retrieved from GitHub Repository: </a:t>
             </a:r>
             <a:r>
               <a:rPr lang="en-IN" dirty="0">
@@ -5701,10 +6019,9 @@
           <a:lstStyle/>
           <a:p>
             <a:r>
-              <a:rPr lang="en-US"/>
-              <a:t>Academic Year 2020-21 , Semester-2</a:t>
-            </a:r>
-            <a:endParaRPr lang="en-US" dirty="0"/>
+              <a:rPr lang="en-US" dirty="0"/>
+              <a:t>Academic Year 2025-26 , Semester-2</a:t>
+            </a:r>
           </a:p>
         </p:txBody>
       </p:sp>
@@ -5742,6 +6059,138 @@
     <p:extLst>
       <p:ext uri="{BB962C8B-B14F-4D97-AF65-F5344CB8AC3E}">
         <p14:creationId xmlns:p14="http://schemas.microsoft.com/office/powerpoint/2010/main" val="1224851549"/>
+      </p:ext>
+    </p:extLst>
+  </p:cSld>
+  <p:clrMapOvr>
+    <a:masterClrMapping/>
+  </p:clrMapOvr>
+</p:sld>
+</file>
+
+<file path=ppt/slides/slide14.xml><?xml version="1.0" encoding="utf-8"?>
+<p:sld xmlns:a="http://schemas.openxmlformats.org/drawingml/2006/main" xmlns:r="http://schemas.openxmlformats.org/officeDocument/2006/relationships" xmlns:p="http://schemas.openxmlformats.org/presentationml/2006/main">
+  <p:cSld>
+    <p:spTree>
+      <p:nvGrpSpPr>
+        <p:cNvPr id="1" name=""/>
+        <p:cNvGrpSpPr/>
+        <p:nvPr/>
+      </p:nvGrpSpPr>
+      <p:grpSpPr>
+        <a:xfrm>
+          <a:off x="0" y="0"/>
+          <a:ext cx="0" cy="0"/>
+          <a:chOff x="0" y="0"/>
+          <a:chExt cx="0" cy="0"/>
+        </a:xfrm>
+      </p:grpSpPr>
+      <p:sp>
+        <p:nvSpPr>
+          <p:cNvPr id="2" name="Content Placeholder 1">
+            <a:extLst>
+              <a:ext uri="{FF2B5EF4-FFF2-40B4-BE49-F238E27FC236}">
+                <a16:creationId xmlns:a16="http://schemas.microsoft.com/office/drawing/2014/main" id="{8F59A6C8-3F04-5EAF-1A28-5BD26C47EE5D}"/>
+              </a:ext>
+            </a:extLst>
+          </p:cNvPr>
+          <p:cNvSpPr>
+            <a:spLocks noGrp="1"/>
+          </p:cNvSpPr>
+          <p:nvPr>
+            <p:ph idx="1"/>
+          </p:nvPr>
+        </p:nvSpPr>
+        <p:spPr>
+          <a:xfrm>
+            <a:off x="628650" y="1825625"/>
+            <a:ext cx="7886700" cy="1029542"/>
+          </a:xfrm>
+        </p:spPr>
+        <p:txBody>
+          <a:bodyPr>
+            <a:normAutofit/>
+          </a:bodyPr>
+          <a:lstStyle/>
+          <a:p>
+            <a:pPr marL="0" indent="0" algn="ctr">
+              <a:buNone/>
+            </a:pPr>
+            <a:r>
+              <a:rPr lang="en-IN" sz="6000" b="1" dirty="0">
+                <a:solidFill>
+                  <a:schemeClr val="tx2">
+                    <a:lumMod val="75000"/>
+                  </a:schemeClr>
+                </a:solidFill>
+              </a:rPr>
+              <a:t>THANK YOU</a:t>
+            </a:r>
+          </a:p>
+        </p:txBody>
+      </p:sp>
+      <p:sp>
+        <p:nvSpPr>
+          <p:cNvPr id="4" name="Footer Placeholder 3">
+            <a:extLst>
+              <a:ext uri="{FF2B5EF4-FFF2-40B4-BE49-F238E27FC236}">
+                <a16:creationId xmlns:a16="http://schemas.microsoft.com/office/drawing/2014/main" id="{09A72573-78EF-F7CA-04A8-FFB6F48FF054}"/>
+              </a:ext>
+            </a:extLst>
+          </p:cNvPr>
+          <p:cNvSpPr>
+            <a:spLocks noGrp="1"/>
+          </p:cNvSpPr>
+          <p:nvPr>
+            <p:ph type="ftr" sz="quarter" idx="11"/>
+          </p:nvPr>
+        </p:nvSpPr>
+        <p:spPr/>
+        <p:txBody>
+          <a:bodyPr/>
+          <a:lstStyle/>
+          <a:p>
+            <a:r>
+              <a:rPr lang="en-US" dirty="0"/>
+              <a:t>Academic Year 2025-26 , Semester-2</a:t>
+            </a:r>
+          </a:p>
+        </p:txBody>
+      </p:sp>
+      <p:sp>
+        <p:nvSpPr>
+          <p:cNvPr id="5" name="Slide Number Placeholder 4">
+            <a:extLst>
+              <a:ext uri="{FF2B5EF4-FFF2-40B4-BE49-F238E27FC236}">
+                <a16:creationId xmlns:a16="http://schemas.microsoft.com/office/drawing/2014/main" id="{890443FE-DCA5-0ACF-E716-70C5F4E3115F}"/>
+              </a:ext>
+            </a:extLst>
+          </p:cNvPr>
+          <p:cNvSpPr>
+            <a:spLocks noGrp="1"/>
+          </p:cNvSpPr>
+          <p:nvPr>
+            <p:ph type="sldNum" sz="quarter" idx="12"/>
+          </p:nvPr>
+        </p:nvSpPr>
+        <p:spPr/>
+        <p:txBody>
+          <a:bodyPr/>
+          <a:lstStyle/>
+          <a:p>
+            <a:fld id="{0A3747BB-4598-4E25-9E38-971C52AEC84E}" type="slidenum">
+              <a:rPr lang="en-US" smtClean="0"/>
+              <a:pPr/>
+              <a:t>14</a:t>
+            </a:fld>
+            <a:endParaRPr lang="en-US" dirty="0"/>
+          </a:p>
+        </p:txBody>
+      </p:sp>
+    </p:spTree>
+    <p:extLst>
+      <p:ext uri="{BB962C8B-B14F-4D97-AF65-F5344CB8AC3E}">
+        <p14:creationId xmlns:p14="http://schemas.microsoft.com/office/powerpoint/2010/main" val="1326827130"/>
       </p:ext>
     </p:extLst>
   </p:cSld>
@@ -6179,6 +6628,7 @@
           <a:bodyPr rtlCol="0" anchor="ctr"/>
           <a:lstStyle/>
           <a:p>
+            <a:pPr algn="ctr"/>
             <a:r>
               <a:rPr lang="en-US" sz="3600" b="1" dirty="0">
                 <a:ln/>
@@ -6189,20 +6639,17 @@
                 <a:ea typeface="+mj-ea"/>
                 <a:cs typeface="Times New Roman" panose="02020603050405020304" pitchFamily="18" charset="0"/>
               </a:rPr>
-              <a:t>Outline</a:t>
-            </a:r>
-            <a:r>
-              <a:rPr lang="en-US" sz="2000" b="1" dirty="0">
-                <a:ln/>
-                <a:solidFill>
-                  <a:schemeClr val="bg1"/>
-                </a:solidFill>
-                <a:latin typeface="Times New Roman" panose="02020603050405020304" pitchFamily="18" charset="0"/>
-                <a:ea typeface="+mj-ea"/>
-                <a:cs typeface="Times New Roman" panose="02020603050405020304" pitchFamily="18" charset="0"/>
-              </a:rPr>
-              <a:t> </a:t>
-            </a:r>
+              <a:t>Index</a:t>
+            </a:r>
+            <a:endParaRPr lang="en-US" sz="2000" b="1" dirty="0">
+              <a:ln/>
+              <a:solidFill>
+                <a:schemeClr val="bg1"/>
+              </a:solidFill>
+              <a:latin typeface="Times New Roman" panose="02020603050405020304" pitchFamily="18" charset="0"/>
+              <a:ea typeface="+mj-ea"/>
+              <a:cs typeface="Times New Roman" panose="02020603050405020304" pitchFamily="18" charset="0"/>
+            </a:endParaRPr>
           </a:p>
         </p:txBody>
       </p:sp>
@@ -6331,7 +6778,7 @@
                   <a:srgbClr val="002060"/>
                 </a:solidFill>
               </a:rPr>
-              <a:t>In this project, we try to analyze past gold price data and use machine learning techniques to predict future prices. The aim is to build a smart and reliable prediction system.</a:t>
+              <a:t>In this project, I try to analyze past gold price data and use machine learning techniques to predict future prices. The aim is to build a smart and reliable prediction system.</a:t>
             </a:r>
           </a:p>
         </p:txBody>
@@ -6367,7 +6814,9 @@
             <a:r>
               <a:rPr lang="en-IN" dirty="0">
                 <a:solidFill>
-                  <a:srgbClr val="002060"/>
+                  <a:schemeClr val="tx2">
+                    <a:lumMod val="75000"/>
+                  </a:schemeClr>
                 </a:solidFill>
               </a:rPr>
               <a:t>Introduction</a:t>
@@ -6397,10 +6846,9 @@
           <a:lstStyle/>
           <a:p>
             <a:r>
-              <a:rPr lang="en-US"/>
-              <a:t>Academic Year 2020-21 , Semester-2</a:t>
-            </a:r>
-            <a:endParaRPr lang="en-US" dirty="0"/>
+              <a:rPr lang="en-US" dirty="0"/>
+              <a:t>Academic Year 2025-26 , Semester-2</a:t>
+            </a:r>
           </a:p>
         </p:txBody>
       </p:sp>
@@ -6482,7 +6930,7 @@
         </p:nvSpPr>
         <p:spPr>
           <a:xfrm>
-            <a:off x="628650" y="1359095"/>
+            <a:off x="637981" y="1368426"/>
             <a:ext cx="7886700" cy="2662399"/>
           </a:xfrm>
         </p:spPr>
@@ -6500,26 +6948,24 @@
             </a:r>
           </a:p>
           <a:p>
+            <a:pPr>
+              <a:buFont typeface="Wingdings" panose="05000000000000000000" pitchFamily="2" charset="2"/>
+              <a:buChar char="Ø"/>
+            </a:pPr>
             <a:r>
               <a:rPr lang="en-US" dirty="0">
                 <a:solidFill>
                   <a:srgbClr val="002060"/>
                 </a:solidFill>
               </a:rPr>
-              <a:t>Investors</a:t>
-            </a:r>
-          </a:p>
-          <a:p>
-            <a:r>
-              <a:rPr lang="en-US" dirty="0">
-                <a:solidFill>
-                  <a:srgbClr val="002060"/>
-                </a:solidFill>
-              </a:rPr>
-              <a:t>Traders</a:t>
-            </a:r>
-          </a:p>
-          <a:p>
+              <a:t>Investors Traders</a:t>
+            </a:r>
+          </a:p>
+          <a:p>
+            <a:pPr>
+              <a:buFont typeface="Wingdings" panose="05000000000000000000" pitchFamily="2" charset="2"/>
+              <a:buChar char="Ø"/>
+            </a:pPr>
             <a:r>
               <a:rPr lang="en-US" dirty="0">
                 <a:solidFill>
@@ -6530,6 +6976,10 @@
             </a:r>
           </a:p>
           <a:p>
+            <a:pPr>
+              <a:buFont typeface="Wingdings" panose="05000000000000000000" pitchFamily="2" charset="2"/>
+              <a:buChar char="Ø"/>
+            </a:pPr>
             <a:r>
               <a:rPr lang="en-US" dirty="0">
                 <a:solidFill>
@@ -6540,14 +6990,30 @@
             </a:r>
           </a:p>
           <a:p>
-            <a:pPr algn="just"/>
+            <a:pPr algn="just">
+              <a:buFont typeface="Wingdings" panose="05000000000000000000" pitchFamily="2" charset="2"/>
+              <a:buChar char="Ø"/>
+            </a:pPr>
             <a:r>
               <a:rPr lang="en-US" dirty="0">
                 <a:solidFill>
                   <a:srgbClr val="002060"/>
                 </a:solidFill>
               </a:rPr>
-              <a:t>Traditional methods are not always accurate because financial data is complex. So, machine learning models are used to improve prediction accuracy</a:t>
+              <a:t>Traditional methods are not always accurate because financial data is complex. </a:t>
+            </a:r>
+          </a:p>
+          <a:p>
+            <a:pPr marL="0" indent="0" algn="just">
+              <a:buNone/>
+            </a:pPr>
+            <a:r>
+              <a:rPr lang="en-US" dirty="0">
+                <a:solidFill>
+                  <a:srgbClr val="002060"/>
+                </a:solidFill>
+              </a:rPr>
+              <a:t>So, machine learning models are used to improve prediction accuracy</a:t>
             </a:r>
             <a:r>
               <a:rPr lang="en-US" dirty="0">
@@ -6630,10 +7096,9 @@
           <a:lstStyle/>
           <a:p>
             <a:r>
-              <a:rPr lang="en-US"/>
-              <a:t>Academic Year 2020-21 , Semester-2</a:t>
-            </a:r>
-            <a:endParaRPr lang="en-US" dirty="0"/>
+              <a:rPr lang="en-US" dirty="0"/>
+              <a:t>Academic Year 2025-26 , Semester-2</a:t>
+            </a:r>
           </a:p>
         </p:txBody>
       </p:sp>
@@ -6783,7 +7248,7 @@
         </p:nvSpPr>
         <p:spPr>
           <a:xfrm>
-            <a:off x="554005" y="354563"/>
+            <a:off x="544674" y="690465"/>
             <a:ext cx="7886700" cy="755781"/>
           </a:xfrm>
         </p:spPr>
@@ -6826,10 +7291,9 @@
           <a:lstStyle/>
           <a:p>
             <a:r>
-              <a:rPr lang="en-US"/>
-              <a:t>Academic Year 2020-21 , Semester-2</a:t>
-            </a:r>
-            <a:endParaRPr lang="en-US" dirty="0"/>
+              <a:rPr lang="en-US" dirty="0"/>
+              <a:t>Academic Year 2025-26 , Semester-2</a:t>
+            </a:r>
           </a:p>
         </p:txBody>
       </p:sp>
@@ -6911,7 +7375,7 @@
         </p:nvSpPr>
         <p:spPr>
           <a:xfrm>
-            <a:off x="628650" y="1382421"/>
+            <a:off x="628650" y="1792968"/>
             <a:ext cx="7886700" cy="2046579"/>
           </a:xfrm>
         </p:spPr>
@@ -6991,7 +7455,7 @@
         </p:nvSpPr>
         <p:spPr>
           <a:xfrm>
-            <a:off x="628650" y="365127"/>
+            <a:off x="628650" y="654376"/>
             <a:ext cx="7886700" cy="549274"/>
           </a:xfrm>
         </p:spPr>
@@ -7038,10 +7502,9 @@
           <a:lstStyle/>
           <a:p>
             <a:r>
-              <a:rPr lang="en-US"/>
-              <a:t>Academic Year 2020-21 , Semester-2</a:t>
-            </a:r>
-            <a:endParaRPr lang="en-US" dirty="0"/>
+              <a:rPr lang="en-US" dirty="0"/>
+              <a:t>Academic Year 2025-26 , Semester-2</a:t>
+            </a:r>
           </a:p>
         </p:txBody>
       </p:sp>
@@ -7107,161 +7570,6 @@
       </p:grpSpPr>
       <p:sp>
         <p:nvSpPr>
-          <p:cNvPr id="2" name="Content Placeholder 1">
-            <a:extLst>
-              <a:ext uri="{FF2B5EF4-FFF2-40B4-BE49-F238E27FC236}">
-                <a16:creationId xmlns:a16="http://schemas.microsoft.com/office/drawing/2014/main" id="{F86765AB-433D-D02F-3712-5FBCC576CB40}"/>
-              </a:ext>
-            </a:extLst>
-          </p:cNvPr>
-          <p:cNvSpPr>
-            <a:spLocks noGrp="1"/>
-          </p:cNvSpPr>
-          <p:nvPr>
-            <p:ph idx="1"/>
-          </p:nvPr>
-        </p:nvSpPr>
-        <p:spPr/>
-        <p:txBody>
-          <a:bodyPr>
-            <a:normAutofit fontScale="25000" lnSpcReduction="20000"/>
-          </a:bodyPr>
-          <a:lstStyle/>
-          <a:p>
-            <a:r>
-              <a:rPr lang="en-IN" sz="7200" dirty="0">
-                <a:solidFill>
-                  <a:srgbClr val="002060"/>
-                </a:solidFill>
-              </a:rPr>
-              <a:t>The project will follow these steps:</a:t>
-            </a:r>
-          </a:p>
-          <a:p>
-            <a:endParaRPr lang="en-IN" sz="7200" dirty="0">
-              <a:solidFill>
-                <a:srgbClr val="002060"/>
-              </a:solidFill>
-            </a:endParaRPr>
-          </a:p>
-          <a:p>
-            <a:r>
-              <a:rPr lang="en-IN" sz="7200" b="1" dirty="0">
-                <a:solidFill>
-                  <a:srgbClr val="002060"/>
-                </a:solidFill>
-              </a:rPr>
-              <a:t>Step 1: Data Collection</a:t>
-            </a:r>
-          </a:p>
-          <a:p>
-            <a:r>
-              <a:rPr lang="en-IN" sz="7200" dirty="0">
-                <a:solidFill>
-                  <a:srgbClr val="002060"/>
-                </a:solidFill>
-              </a:rPr>
-              <a:t>Gold price dataset will be collected from an online source.</a:t>
-            </a:r>
-          </a:p>
-          <a:p>
-            <a:endParaRPr lang="en-IN" sz="7200" dirty="0">
-              <a:solidFill>
-                <a:srgbClr val="002060"/>
-              </a:solidFill>
-            </a:endParaRPr>
-          </a:p>
-          <a:p>
-            <a:r>
-              <a:rPr lang="en-IN" sz="7200" b="1" dirty="0">
-                <a:solidFill>
-                  <a:srgbClr val="002060"/>
-                </a:solidFill>
-              </a:rPr>
-              <a:t>Step 2: Data Preprocessing</a:t>
-            </a:r>
-          </a:p>
-          <a:p>
-            <a:r>
-              <a:rPr lang="en-IN" sz="7200" dirty="0">
-                <a:solidFill>
-                  <a:srgbClr val="002060"/>
-                </a:solidFill>
-              </a:rPr>
-              <a:t>Convert date format</a:t>
-            </a:r>
-          </a:p>
-          <a:p>
-            <a:r>
-              <a:rPr lang="en-IN" sz="7200" dirty="0">
-                <a:solidFill>
-                  <a:srgbClr val="002060"/>
-                </a:solidFill>
-              </a:rPr>
-              <a:t>Handle missing values</a:t>
-            </a:r>
-          </a:p>
-          <a:p>
-            <a:r>
-              <a:rPr lang="en-IN" sz="7200" dirty="0">
-                <a:solidFill>
-                  <a:srgbClr val="002060"/>
-                </a:solidFill>
-              </a:rPr>
-              <a:t>Perform feature scaling</a:t>
-            </a:r>
-          </a:p>
-          <a:p>
-            <a:endParaRPr lang="en-IN" sz="7200" dirty="0">
-              <a:solidFill>
-                <a:srgbClr val="002060"/>
-              </a:solidFill>
-            </a:endParaRPr>
-          </a:p>
-          <a:p>
-            <a:r>
-              <a:rPr lang="en-IN" sz="7200" b="1" dirty="0">
-                <a:solidFill>
-                  <a:srgbClr val="002060"/>
-                </a:solidFill>
-              </a:rPr>
-              <a:t>Step 3: Data Analysis</a:t>
-            </a:r>
-          </a:p>
-          <a:p>
-            <a:r>
-              <a:rPr lang="en-IN" sz="7200" dirty="0">
-                <a:solidFill>
-                  <a:srgbClr val="002060"/>
-                </a:solidFill>
-              </a:rPr>
-              <a:t>Plot graphs to understand trends</a:t>
-            </a:r>
-          </a:p>
-          <a:p>
-            <a:r>
-              <a:rPr lang="en-IN" sz="7200" dirty="0">
-                <a:solidFill>
-                  <a:srgbClr val="002060"/>
-                </a:solidFill>
-              </a:rPr>
-              <a:t>Create correlation heatmap</a:t>
-            </a:r>
-          </a:p>
-          <a:p>
-            <a:r>
-              <a:rPr lang="en-IN" sz="7200" dirty="0">
-                <a:solidFill>
-                  <a:srgbClr val="002060"/>
-                </a:solidFill>
-              </a:rPr>
-              <a:t>Check skewness and distribution</a:t>
-            </a:r>
-          </a:p>
-        </p:txBody>
-      </p:sp>
-      <p:sp>
-        <p:nvSpPr>
           <p:cNvPr id="3" name="Title 2">
             <a:extLst>
               <a:ext uri="{FF2B5EF4-FFF2-40B4-BE49-F238E27FC236}">
@@ -7319,14 +7627,19 @@
             <p:ph type="ftr" sz="quarter" idx="11"/>
           </p:nvPr>
         </p:nvSpPr>
-        <p:spPr/>
+        <p:spPr>
+          <a:xfrm>
+            <a:off x="3575374" y="6374623"/>
+            <a:ext cx="3086100" cy="365125"/>
+          </a:xfrm>
+        </p:spPr>
         <p:txBody>
           <a:bodyPr/>
           <a:lstStyle/>
           <a:p>
             <a:r>
               <a:rPr lang="en-US" dirty="0"/>
-              <a:t>Academic Year 2020-21 , Semester-2</a:t>
+              <a:t>Academic Year 2025-26 , Semester-2</a:t>
             </a:r>
           </a:p>
         </p:txBody>
@@ -7361,6 +7674,44 @@
           </a:p>
         </p:txBody>
       </p:sp>
+      <p:pic>
+        <p:nvPicPr>
+          <p:cNvPr id="14" name="Content Placeholder 13">
+            <a:extLst>
+              <a:ext uri="{FF2B5EF4-FFF2-40B4-BE49-F238E27FC236}">
+                <a16:creationId xmlns:a16="http://schemas.microsoft.com/office/drawing/2014/main" id="{9B8CD4B5-9877-F8ED-6A47-A5E020BB2C09}"/>
+              </a:ext>
+            </a:extLst>
+          </p:cNvPr>
+          <p:cNvPicPr>
+            <a:picLocks noGrp="1" noChangeAspect="1"/>
+          </p:cNvPicPr>
+          <p:nvPr>
+            <p:ph idx="1"/>
+          </p:nvPr>
+        </p:nvPicPr>
+        <p:blipFill>
+          <a:blip r:embed="rId2">
+            <a:extLst>
+              <a:ext uri="{28A0092B-C50C-407E-A947-70E740481C1C}">
+                <a14:useLocalDpi xmlns:a14="http://schemas.microsoft.com/office/drawing/2010/main" val="0"/>
+              </a:ext>
+            </a:extLst>
+          </a:blip>
+          <a:stretch>
+            <a:fillRect/>
+          </a:stretch>
+        </p:blipFill>
+        <p:spPr>
+          <a:xfrm>
+            <a:off x="0" y="961052"/>
+            <a:ext cx="3778898" cy="5760423"/>
+          </a:xfrm>
+          <a:prstGeom prst="rect">
+            <a:avLst/>
+          </a:prstGeom>
+        </p:spPr>
+      </p:pic>
     </p:spTree>
     <p:extLst>
       <p:ext uri="{BB962C8B-B14F-4D97-AF65-F5344CB8AC3E}">
@@ -7396,7 +7747,7 @@
           <p:cNvPr id="2" name="Content Placeholder 1">
             <a:extLst>
               <a:ext uri="{FF2B5EF4-FFF2-40B4-BE49-F238E27FC236}">
-                <a16:creationId xmlns:a16="http://schemas.microsoft.com/office/drawing/2014/main" id="{911FE3F4-6339-D351-BE80-D50620B9F90C}"/>
+                <a16:creationId xmlns:a16="http://schemas.microsoft.com/office/drawing/2014/main" id="{633750CE-6AA4-5E42-DB4A-AC7E85CCFF21}"/>
               </a:ext>
             </a:extLst>
           </p:cNvPr>
@@ -7409,105 +7760,129 @@
         </p:nvSpPr>
         <p:spPr>
           <a:xfrm>
-            <a:off x="628650" y="1825625"/>
-            <a:ext cx="7886700" cy="3194244"/>
+            <a:off x="563336" y="1253330"/>
+            <a:ext cx="7886700" cy="4774245"/>
           </a:xfrm>
         </p:spPr>
         <p:txBody>
-          <a:bodyPr/>
+          <a:bodyPr>
+            <a:normAutofit/>
+          </a:bodyPr>
           <a:lstStyle/>
           <a:p>
             <a:r>
               <a:rPr lang="en-IN" b="1" dirty="0">
                 <a:solidFill>
-                  <a:srgbClr val="002060"/>
+                  <a:schemeClr val="accent1">
+                    <a:lumMod val="50000"/>
+                  </a:schemeClr>
                 </a:solidFill>
               </a:rPr>
-              <a:t>Step 4: Model Implementation</a:t>
-            </a:r>
-          </a:p>
-          <a:p>
+              <a:t>Source:</a:t>
+            </a:r>
             <a:r>
               <a:rPr lang="en-IN" dirty="0">
                 <a:solidFill>
-                  <a:srgbClr val="002060"/>
+                  <a:schemeClr val="accent1">
+                    <a:lumMod val="50000"/>
+                  </a:schemeClr>
                 </a:solidFill>
               </a:rPr>
-              <a:t>Random Forest Regression</a:t>
-            </a:r>
-          </a:p>
-          <a:p>
-            <a:r>
+              <a:t> https://raw.githubusercontent.com/sangitaGIT011/Myproj/refs/heads/main/gold_price_data.csv</a:t>
+            </a:r>
+            <a:br>
               <a:rPr lang="en-IN" dirty="0">
                 <a:solidFill>
-                  <a:srgbClr val="002060"/>
+                  <a:schemeClr val="accent1">
+                    <a:lumMod val="50000"/>
+                  </a:schemeClr>
                 </a:solidFill>
               </a:rPr>
-              <a:t>Lasso Regression</a:t>
-            </a:r>
-          </a:p>
-          <a:p>
+            </a:br>
+            <a:r>
+              <a:rPr lang="en-IN" b="1" dirty="0">
+                <a:solidFill>
+                  <a:schemeClr val="accent1">
+                    <a:lumMod val="50000"/>
+                  </a:schemeClr>
+                </a:solidFill>
+              </a:rPr>
+              <a:t>Time Period:</a:t>
+            </a:r>
             <a:r>
               <a:rPr lang="en-IN" dirty="0">
                 <a:solidFill>
-                  <a:srgbClr val="002060"/>
+                  <a:schemeClr val="accent1">
+                    <a:lumMod val="50000"/>
+                  </a:schemeClr>
                 </a:solidFill>
               </a:rPr>
-              <a:t>Hyperparameter tuning using </a:t>
-            </a:r>
-            <a:r>
-              <a:rPr lang="en-IN" dirty="0" err="1">
+              <a:t> 2008–2018</a:t>
+            </a:r>
+            <a:br>
+              <a:rPr lang="en-IN" dirty="0">
                 <a:solidFill>
-                  <a:srgbClr val="002060"/>
+                  <a:schemeClr val="accent1">
+                    <a:lumMod val="50000"/>
+                  </a:schemeClr>
                 </a:solidFill>
               </a:rPr>
-              <a:t>GridSearch</a:t>
-            </a:r>
-            <a:endParaRPr lang="en-IN" dirty="0">
-              <a:solidFill>
-                <a:srgbClr val="002060"/>
-              </a:solidFill>
-            </a:endParaRPr>
-          </a:p>
-          <a:p>
-            <a:endParaRPr lang="en-IN" dirty="0">
-              <a:solidFill>
-                <a:srgbClr val="002060"/>
-              </a:solidFill>
-            </a:endParaRPr>
-          </a:p>
-          <a:p>
+            </a:br>
             <a:r>
               <a:rPr lang="en-IN" b="1" dirty="0">
                 <a:solidFill>
-                  <a:srgbClr val="002060"/>
+                  <a:schemeClr val="accent1">
+                    <a:lumMod val="50000"/>
+                  </a:schemeClr>
                 </a:solidFill>
               </a:rPr>
-              <a:t>Step 5: Model Evaluation</a:t>
-            </a:r>
-          </a:p>
-          <a:p>
+              <a:t>Data Type:</a:t>
+            </a:r>
             <a:r>
               <a:rPr lang="en-IN" dirty="0">
                 <a:solidFill>
-                  <a:srgbClr val="002060"/>
+                  <a:schemeClr val="accent1">
+                    <a:lumMod val="50000"/>
+                  </a:schemeClr>
                 </a:solidFill>
               </a:rPr>
-              <a:t>R² Score</a:t>
-            </a:r>
-          </a:p>
-          <a:p>
-            <a:r>
-              <a:rPr lang="en-IN" dirty="0">
-                <a:solidFill>
-                  <a:srgbClr val="002060"/>
-                </a:solidFill>
-              </a:rPr>
-              <a:t>Mean Squared Error</a:t>
-            </a:r>
-          </a:p>
-          <a:p>
-            <a:endParaRPr lang="en-IN" dirty="0"/>
+              <a:t> Time-Series Financial Data</a:t>
+            </a:r>
+          </a:p>
+        </p:txBody>
+      </p:sp>
+      <p:sp>
+        <p:nvSpPr>
+          <p:cNvPr id="3" name="Title 2">
+            <a:extLst>
+              <a:ext uri="{FF2B5EF4-FFF2-40B4-BE49-F238E27FC236}">
+                <a16:creationId xmlns:a16="http://schemas.microsoft.com/office/drawing/2014/main" id="{46B930B5-5852-F754-6179-57D5B2601582}"/>
+              </a:ext>
+            </a:extLst>
+          </p:cNvPr>
+          <p:cNvSpPr>
+            <a:spLocks noGrp="1"/>
+          </p:cNvSpPr>
+          <p:nvPr>
+            <p:ph type="title"/>
+          </p:nvPr>
+        </p:nvSpPr>
+        <p:spPr>
+          <a:xfrm>
+            <a:off x="628650" y="365126"/>
+            <a:ext cx="7886700" cy="530613"/>
+          </a:xfrm>
+        </p:spPr>
+        <p:txBody>
+          <a:bodyPr>
+            <a:normAutofit fontScale="90000"/>
+          </a:bodyPr>
+          <a:lstStyle/>
+          <a:p>
+            <a:r>
+              <a:rPr lang="en-IN" dirty="0"/>
+              <a:t>Dataset Overview</a:t>
+            </a:r>
           </a:p>
         </p:txBody>
       </p:sp>
@@ -7516,7 +7891,7 @@
           <p:cNvPr id="4" name="Footer Placeholder 3">
             <a:extLst>
               <a:ext uri="{FF2B5EF4-FFF2-40B4-BE49-F238E27FC236}">
-                <a16:creationId xmlns:a16="http://schemas.microsoft.com/office/drawing/2014/main" id="{5A4DE194-8712-D2BB-BB6E-5852288029FA}"/>
+                <a16:creationId xmlns:a16="http://schemas.microsoft.com/office/drawing/2014/main" id="{E31E06AF-6930-5AF7-FA81-E776D774BAFD}"/>
               </a:ext>
             </a:extLst>
           </p:cNvPr>
@@ -7533,10 +7908,9 @@
           <a:lstStyle/>
           <a:p>
             <a:r>
-              <a:rPr lang="en-US"/>
-              <a:t>Academic Year 2020-21 , Semester-2</a:t>
-            </a:r>
-            <a:endParaRPr lang="en-US" dirty="0"/>
+              <a:rPr lang="en-US" dirty="0"/>
+              <a:t>Academic Year 2025-26 , Semester-2</a:t>
+            </a:r>
           </a:p>
         </p:txBody>
       </p:sp>
@@ -7545,7 +7919,7 @@
           <p:cNvPr id="5" name="Slide Number Placeholder 4">
             <a:extLst>
               <a:ext uri="{FF2B5EF4-FFF2-40B4-BE49-F238E27FC236}">
-                <a16:creationId xmlns:a16="http://schemas.microsoft.com/office/drawing/2014/main" id="{875C1C4D-EB4A-3384-C52E-881E6ECBD491}"/>
+                <a16:creationId xmlns:a16="http://schemas.microsoft.com/office/drawing/2014/main" id="{D776AAE3-5D51-2BD2-E95B-96EC65947543}"/>
               </a:ext>
             </a:extLst>
           </p:cNvPr>
@@ -7570,10 +7944,683 @@
           </a:p>
         </p:txBody>
       </p:sp>
+      <p:graphicFrame>
+        <p:nvGraphicFramePr>
+          <p:cNvPr id="6" name="Table 5">
+            <a:extLst>
+              <a:ext uri="{FF2B5EF4-FFF2-40B4-BE49-F238E27FC236}">
+                <a16:creationId xmlns:a16="http://schemas.microsoft.com/office/drawing/2014/main" id="{10F053D5-C18F-66A5-FEEF-F469ABDA7E66}"/>
+              </a:ext>
+            </a:extLst>
+          </p:cNvPr>
+          <p:cNvGraphicFramePr>
+            <a:graphicFrameLocks noGrp="1"/>
+          </p:cNvGraphicFramePr>
+          <p:nvPr>
+            <p:extLst>
+              <p:ext uri="{D42A27DB-BD31-4B8C-83A1-F6EECF244321}">
+                <p14:modId xmlns:p14="http://schemas.microsoft.com/office/powerpoint/2010/main" val="174205027"/>
+              </p:ext>
+            </p:extLst>
+          </p:nvPr>
+        </p:nvGraphicFramePr>
+        <p:xfrm>
+          <a:off x="1101011" y="2844696"/>
+          <a:ext cx="5702455" cy="2627800"/>
+        </p:xfrm>
+        <a:graphic>
+          <a:graphicData uri="http://schemas.openxmlformats.org/drawingml/2006/table">
+            <a:tbl>
+              <a:tblPr firstRow="1" bandRow="1">
+                <a:tableStyleId>{5940675A-B579-460E-94D1-54222C63F5DA}</a:tableStyleId>
+              </a:tblPr>
+              <a:tblGrid>
+                <a:gridCol w="1217930">
+                  <a:extLst>
+                    <a:ext uri="{9D8B030D-6E8A-4147-A177-3AD203B41FA5}">
+                      <a16:colId xmlns:a16="http://schemas.microsoft.com/office/drawing/2014/main" val="1344835828"/>
+                    </a:ext>
+                  </a:extLst>
+                </a:gridCol>
+                <a:gridCol w="3265715">
+                  <a:extLst>
+                    <a:ext uri="{9D8B030D-6E8A-4147-A177-3AD203B41FA5}">
+                      <a16:colId xmlns:a16="http://schemas.microsoft.com/office/drawing/2014/main" val="179391770"/>
+                    </a:ext>
+                  </a:extLst>
+                </a:gridCol>
+                <a:gridCol w="1218810">
+                  <a:extLst>
+                    <a:ext uri="{9D8B030D-6E8A-4147-A177-3AD203B41FA5}">
+                      <a16:colId xmlns:a16="http://schemas.microsoft.com/office/drawing/2014/main" val="2211432491"/>
+                    </a:ext>
+                  </a:extLst>
+                </a:gridCol>
+              </a:tblGrid>
+              <a:tr h="399500">
+                <a:tc>
+                  <a:txBody>
+                    <a:bodyPr/>
+                    <a:lstStyle/>
+                    <a:p>
+                      <a:r>
+                        <a:rPr lang="en-IN" b="1" dirty="0">
+                          <a:solidFill>
+                            <a:schemeClr val="accent1">
+                              <a:lumMod val="50000"/>
+                            </a:schemeClr>
+                          </a:solidFill>
+                          <a:latin typeface="Times New Roman" panose="02020603050405020304" pitchFamily="18" charset="0"/>
+                          <a:cs typeface="Times New Roman" panose="02020603050405020304" pitchFamily="18" charset="0"/>
+                        </a:rPr>
+                        <a:t>Features</a:t>
+                      </a:r>
+                    </a:p>
+                  </a:txBody>
+                  <a:tcPr/>
+                </a:tc>
+                <a:tc>
+                  <a:txBody>
+                    <a:bodyPr/>
+                    <a:lstStyle/>
+                    <a:p>
+                      <a:r>
+                        <a:rPr lang="en-IN" b="1" dirty="0">
+                          <a:solidFill>
+                            <a:schemeClr val="accent1">
+                              <a:lumMod val="50000"/>
+                            </a:schemeClr>
+                          </a:solidFill>
+                          <a:latin typeface="Times New Roman" panose="02020603050405020304" pitchFamily="18" charset="0"/>
+                          <a:cs typeface="Times New Roman" panose="02020603050405020304" pitchFamily="18" charset="0"/>
+                        </a:rPr>
+                        <a:t>Description</a:t>
+                      </a:r>
+                    </a:p>
+                  </a:txBody>
+                  <a:tcPr/>
+                </a:tc>
+                <a:tc>
+                  <a:txBody>
+                    <a:bodyPr/>
+                    <a:lstStyle/>
+                    <a:p>
+                      <a:pPr>
+                        <a:buNone/>
+                      </a:pPr>
+                      <a:r>
+                        <a:rPr lang="en-IN" b="1" dirty="0">
+                          <a:solidFill>
+                            <a:schemeClr val="accent1">
+                              <a:lumMod val="50000"/>
+                            </a:schemeClr>
+                          </a:solidFill>
+                          <a:latin typeface="Times New Roman" panose="02020603050405020304" pitchFamily="18" charset="0"/>
+                          <a:cs typeface="Times New Roman" panose="02020603050405020304" pitchFamily="18" charset="0"/>
+                        </a:rPr>
+                        <a:t>Data Type</a:t>
+                      </a:r>
+                    </a:p>
+                  </a:txBody>
+                  <a:tcPr anchor="ctr"/>
+                </a:tc>
+                <a:extLst>
+                  <a:ext uri="{0D108BD9-81ED-4DB2-BD59-A6C34878D82A}">
+                    <a16:rowId xmlns:a16="http://schemas.microsoft.com/office/drawing/2014/main" val="2674651727"/>
+                  </a:ext>
+                </a:extLst>
+              </a:tr>
+              <a:tr h="357344">
+                <a:tc>
+                  <a:txBody>
+                    <a:bodyPr/>
+                    <a:lstStyle/>
+                    <a:p>
+                      <a:pPr marL="0" marR="0" lvl="0" indent="0" algn="l" defTabSz="914400" rtl="0" eaLnBrk="1" fontAlgn="auto" latinLnBrk="0" hangingPunct="1">
+                        <a:lnSpc>
+                          <a:spcPct val="100000"/>
+                        </a:lnSpc>
+                        <a:spcBef>
+                          <a:spcPts val="0"/>
+                        </a:spcBef>
+                        <a:spcAft>
+                          <a:spcPts val="0"/>
+                        </a:spcAft>
+                        <a:buClrTx/>
+                        <a:buSzTx/>
+                        <a:buFontTx/>
+                        <a:buNone/>
+                        <a:tabLst/>
+                        <a:defRPr/>
+                      </a:pPr>
+                      <a:r>
+                        <a:rPr lang="en-IN" sz="1800" b="0" dirty="0">
+                          <a:solidFill>
+                            <a:schemeClr val="tx2">
+                              <a:lumMod val="75000"/>
+                            </a:schemeClr>
+                          </a:solidFill>
+                          <a:latin typeface="Times New Roman" panose="02020603050405020304" pitchFamily="18" charset="0"/>
+                          <a:cs typeface="Times New Roman" panose="02020603050405020304" pitchFamily="18" charset="0"/>
+                        </a:rPr>
+                        <a:t>Date</a:t>
+                      </a:r>
+                    </a:p>
+                  </a:txBody>
+                  <a:tcPr/>
+                </a:tc>
+                <a:tc>
+                  <a:txBody>
+                    <a:bodyPr/>
+                    <a:lstStyle/>
+                    <a:p>
+                      <a:pPr>
+                        <a:buNone/>
+                      </a:pPr>
+                      <a:r>
+                        <a:rPr lang="en-IN" sz="1800" b="0" dirty="0">
+                          <a:solidFill>
+                            <a:schemeClr val="tx2">
+                              <a:lumMod val="75000"/>
+                            </a:schemeClr>
+                          </a:solidFill>
+                          <a:latin typeface="Times New Roman" panose="02020603050405020304" pitchFamily="18" charset="0"/>
+                          <a:cs typeface="Times New Roman" panose="02020603050405020304" pitchFamily="18" charset="0"/>
+                        </a:rPr>
+                        <a:t>Trading Date</a:t>
+                      </a:r>
+                    </a:p>
+                  </a:txBody>
+                  <a:tcPr anchor="ctr"/>
+                </a:tc>
+                <a:tc>
+                  <a:txBody>
+                    <a:bodyPr/>
+                    <a:lstStyle/>
+                    <a:p>
+                      <a:r>
+                        <a:rPr lang="en-IN" sz="1800" b="0" dirty="0">
+                          <a:solidFill>
+                            <a:schemeClr val="tx2">
+                              <a:lumMod val="75000"/>
+                            </a:schemeClr>
+                          </a:solidFill>
+                          <a:latin typeface="Times New Roman" panose="02020603050405020304" pitchFamily="18" charset="0"/>
+                          <a:cs typeface="Times New Roman" panose="02020603050405020304" pitchFamily="18" charset="0"/>
+                        </a:rPr>
+                        <a:t>Date</a:t>
+                      </a:r>
+                    </a:p>
+                  </a:txBody>
+                  <a:tcPr/>
+                </a:tc>
+                <a:extLst>
+                  <a:ext uri="{0D108BD9-81ED-4DB2-BD59-A6C34878D82A}">
+                    <a16:rowId xmlns:a16="http://schemas.microsoft.com/office/drawing/2014/main" val="632322825"/>
+                  </a:ext>
+                </a:extLst>
+              </a:tr>
+              <a:tr h="357344">
+                <a:tc>
+                  <a:txBody>
+                    <a:bodyPr/>
+                    <a:lstStyle/>
+                    <a:p>
+                      <a:r>
+                        <a:rPr lang="en-IN" sz="1800" b="0" dirty="0">
+                          <a:solidFill>
+                            <a:schemeClr val="tx2">
+                              <a:lumMod val="75000"/>
+                            </a:schemeClr>
+                          </a:solidFill>
+                          <a:latin typeface="Times New Roman" panose="02020603050405020304" pitchFamily="18" charset="0"/>
+                          <a:cs typeface="Times New Roman" panose="02020603050405020304" pitchFamily="18" charset="0"/>
+                        </a:rPr>
+                        <a:t>GLD</a:t>
+                      </a:r>
+                    </a:p>
+                  </a:txBody>
+                  <a:tcPr/>
+                </a:tc>
+                <a:tc>
+                  <a:txBody>
+                    <a:bodyPr/>
+                    <a:lstStyle/>
+                    <a:p>
+                      <a:r>
+                        <a:rPr lang="en-IN" sz="1800" b="0" dirty="0">
+                          <a:solidFill>
+                            <a:schemeClr val="tx2">
+                              <a:lumMod val="75000"/>
+                            </a:schemeClr>
+                          </a:solidFill>
+                          <a:latin typeface="Times New Roman" panose="02020603050405020304" pitchFamily="18" charset="0"/>
+                          <a:cs typeface="Times New Roman" panose="02020603050405020304" pitchFamily="18" charset="0"/>
+                        </a:rPr>
+                        <a:t>Gold ETF price</a:t>
+                      </a:r>
+                    </a:p>
+                  </a:txBody>
+                  <a:tcPr/>
+                </a:tc>
+                <a:tc>
+                  <a:txBody>
+                    <a:bodyPr/>
+                    <a:lstStyle/>
+                    <a:p>
+                      <a:pPr marL="0" marR="0" lvl="0" indent="0" algn="l" defTabSz="914400" rtl="0" eaLnBrk="1" fontAlgn="auto" latinLnBrk="0" hangingPunct="1">
+                        <a:lnSpc>
+                          <a:spcPct val="100000"/>
+                        </a:lnSpc>
+                        <a:spcBef>
+                          <a:spcPts val="0"/>
+                        </a:spcBef>
+                        <a:spcAft>
+                          <a:spcPts val="0"/>
+                        </a:spcAft>
+                        <a:buClrTx/>
+                        <a:buSzTx/>
+                        <a:buFontTx/>
+                        <a:buNone/>
+                        <a:tabLst/>
+                        <a:defRPr/>
+                      </a:pPr>
+                      <a:r>
+                        <a:rPr lang="en-IN" sz="1800" b="0" dirty="0">
+                          <a:solidFill>
+                            <a:schemeClr val="tx2">
+                              <a:lumMod val="75000"/>
+                            </a:schemeClr>
+                          </a:solidFill>
+                          <a:latin typeface="Times New Roman" panose="02020603050405020304" pitchFamily="18" charset="0"/>
+                          <a:cs typeface="Times New Roman" panose="02020603050405020304" pitchFamily="18" charset="0"/>
+                        </a:rPr>
+                        <a:t>Float</a:t>
+                      </a:r>
+                    </a:p>
+                  </a:txBody>
+                  <a:tcPr/>
+                </a:tc>
+                <a:extLst>
+                  <a:ext uri="{0D108BD9-81ED-4DB2-BD59-A6C34878D82A}">
+                    <a16:rowId xmlns:a16="http://schemas.microsoft.com/office/drawing/2014/main" val="3980666019"/>
+                  </a:ext>
+                </a:extLst>
+              </a:tr>
+              <a:tr h="357344">
+                <a:tc>
+                  <a:txBody>
+                    <a:bodyPr/>
+                    <a:lstStyle/>
+                    <a:p>
+                      <a:r>
+                        <a:rPr lang="en-IN" sz="1800" b="0" dirty="0">
+                          <a:solidFill>
+                            <a:schemeClr val="tx2">
+                              <a:lumMod val="75000"/>
+                            </a:schemeClr>
+                          </a:solidFill>
+                          <a:latin typeface="Times New Roman" panose="02020603050405020304" pitchFamily="18" charset="0"/>
+                          <a:cs typeface="Times New Roman" panose="02020603050405020304" pitchFamily="18" charset="0"/>
+                        </a:rPr>
+                        <a:t>SLV</a:t>
+                      </a:r>
+                    </a:p>
+                  </a:txBody>
+                  <a:tcPr/>
+                </a:tc>
+                <a:tc>
+                  <a:txBody>
+                    <a:bodyPr/>
+                    <a:lstStyle/>
+                    <a:p>
+                      <a:r>
+                        <a:rPr lang="en-IN" sz="1800" b="0" dirty="0">
+                          <a:solidFill>
+                            <a:schemeClr val="tx2">
+                              <a:lumMod val="75000"/>
+                            </a:schemeClr>
+                          </a:solidFill>
+                          <a:latin typeface="Times New Roman" panose="02020603050405020304" pitchFamily="18" charset="0"/>
+                          <a:cs typeface="Times New Roman" panose="02020603050405020304" pitchFamily="18" charset="0"/>
+                        </a:rPr>
+                        <a:t>Silver ETF price</a:t>
+                      </a:r>
+                    </a:p>
+                  </a:txBody>
+                  <a:tcPr/>
+                </a:tc>
+                <a:tc>
+                  <a:txBody>
+                    <a:bodyPr/>
+                    <a:lstStyle/>
+                    <a:p>
+                      <a:pPr marL="0" marR="0" lvl="0" indent="0" algn="l" defTabSz="914400" rtl="0" eaLnBrk="1" fontAlgn="auto" latinLnBrk="0" hangingPunct="1">
+                        <a:lnSpc>
+                          <a:spcPct val="100000"/>
+                        </a:lnSpc>
+                        <a:spcBef>
+                          <a:spcPts val="0"/>
+                        </a:spcBef>
+                        <a:spcAft>
+                          <a:spcPts val="0"/>
+                        </a:spcAft>
+                        <a:buClrTx/>
+                        <a:buSzTx/>
+                        <a:buFontTx/>
+                        <a:buNone/>
+                        <a:tabLst/>
+                        <a:defRPr/>
+                      </a:pPr>
+                      <a:r>
+                        <a:rPr lang="en-IN" sz="1800" b="0" dirty="0">
+                          <a:solidFill>
+                            <a:schemeClr val="tx2">
+                              <a:lumMod val="75000"/>
+                            </a:schemeClr>
+                          </a:solidFill>
+                          <a:latin typeface="Times New Roman" panose="02020603050405020304" pitchFamily="18" charset="0"/>
+                          <a:cs typeface="Times New Roman" panose="02020603050405020304" pitchFamily="18" charset="0"/>
+                        </a:rPr>
+                        <a:t>Float</a:t>
+                      </a:r>
+                    </a:p>
+                  </a:txBody>
+                  <a:tcPr/>
+                </a:tc>
+                <a:extLst>
+                  <a:ext uri="{0D108BD9-81ED-4DB2-BD59-A6C34878D82A}">
+                    <a16:rowId xmlns:a16="http://schemas.microsoft.com/office/drawing/2014/main" val="3783523647"/>
+                  </a:ext>
+                </a:extLst>
+              </a:tr>
+              <a:tr h="357344">
+                <a:tc>
+                  <a:txBody>
+                    <a:bodyPr/>
+                    <a:lstStyle/>
+                    <a:p>
+                      <a:r>
+                        <a:rPr lang="en-US" sz="1800" b="0" dirty="0">
+                          <a:solidFill>
+                            <a:schemeClr val="tx2">
+                              <a:lumMod val="75000"/>
+                            </a:schemeClr>
+                          </a:solidFill>
+                          <a:latin typeface="Times New Roman" panose="02020603050405020304" pitchFamily="18" charset="0"/>
+                          <a:cs typeface="Times New Roman" panose="02020603050405020304" pitchFamily="18" charset="0"/>
+                        </a:rPr>
+                        <a:t>SPX</a:t>
+                      </a:r>
+                      <a:endParaRPr lang="en-IN" sz="1800" b="0" dirty="0">
+                        <a:solidFill>
+                          <a:schemeClr val="tx2">
+                            <a:lumMod val="75000"/>
+                          </a:schemeClr>
+                        </a:solidFill>
+                        <a:latin typeface="Times New Roman" panose="02020603050405020304" pitchFamily="18" charset="0"/>
+                        <a:cs typeface="Times New Roman" panose="02020603050405020304" pitchFamily="18" charset="0"/>
+                      </a:endParaRPr>
+                    </a:p>
+                  </a:txBody>
+                  <a:tcPr/>
+                </a:tc>
+                <a:tc>
+                  <a:txBody>
+                    <a:bodyPr/>
+                    <a:lstStyle/>
+                    <a:p>
+                      <a:r>
+                        <a:rPr lang="en-US" sz="1800" b="0" dirty="0">
+                          <a:solidFill>
+                            <a:schemeClr val="tx2">
+                              <a:lumMod val="75000"/>
+                            </a:schemeClr>
+                          </a:solidFill>
+                          <a:latin typeface="Times New Roman" panose="02020603050405020304" pitchFamily="18" charset="0"/>
+                          <a:cs typeface="Times New Roman" panose="02020603050405020304" pitchFamily="18" charset="0"/>
+                        </a:rPr>
+                        <a:t>S&amp;P 500 index value</a:t>
+                      </a:r>
+                      <a:endParaRPr lang="en-IN" sz="1800" b="0" dirty="0">
+                        <a:solidFill>
+                          <a:schemeClr val="tx2">
+                            <a:lumMod val="75000"/>
+                          </a:schemeClr>
+                        </a:solidFill>
+                        <a:latin typeface="Times New Roman" panose="02020603050405020304" pitchFamily="18" charset="0"/>
+                        <a:cs typeface="Times New Roman" panose="02020603050405020304" pitchFamily="18" charset="0"/>
+                      </a:endParaRPr>
+                    </a:p>
+                  </a:txBody>
+                  <a:tcPr/>
+                </a:tc>
+                <a:tc>
+                  <a:txBody>
+                    <a:bodyPr/>
+                    <a:lstStyle/>
+                    <a:p>
+                      <a:pPr marL="0" marR="0" lvl="0" indent="0" algn="l" defTabSz="914400" rtl="0" eaLnBrk="1" fontAlgn="auto" latinLnBrk="0" hangingPunct="1">
+                        <a:lnSpc>
+                          <a:spcPct val="100000"/>
+                        </a:lnSpc>
+                        <a:spcBef>
+                          <a:spcPts val="0"/>
+                        </a:spcBef>
+                        <a:spcAft>
+                          <a:spcPts val="0"/>
+                        </a:spcAft>
+                        <a:buClrTx/>
+                        <a:buSzTx/>
+                        <a:buFontTx/>
+                        <a:buNone/>
+                        <a:tabLst/>
+                        <a:defRPr/>
+                      </a:pPr>
+                      <a:r>
+                        <a:rPr lang="en-IN" sz="1800" b="0" dirty="0">
+                          <a:solidFill>
+                            <a:schemeClr val="tx2">
+                              <a:lumMod val="75000"/>
+                            </a:schemeClr>
+                          </a:solidFill>
+                          <a:latin typeface="Times New Roman" panose="02020603050405020304" pitchFamily="18" charset="0"/>
+                          <a:cs typeface="Times New Roman" panose="02020603050405020304" pitchFamily="18" charset="0"/>
+                        </a:rPr>
+                        <a:t>Float</a:t>
+                      </a:r>
+                    </a:p>
+                  </a:txBody>
+                  <a:tcPr/>
+                </a:tc>
+                <a:extLst>
+                  <a:ext uri="{0D108BD9-81ED-4DB2-BD59-A6C34878D82A}">
+                    <a16:rowId xmlns:a16="http://schemas.microsoft.com/office/drawing/2014/main" val="2299369884"/>
+                  </a:ext>
+                </a:extLst>
+              </a:tr>
+              <a:tr h="357344">
+                <a:tc>
+                  <a:txBody>
+                    <a:bodyPr/>
+                    <a:lstStyle/>
+                    <a:p>
+                      <a:r>
+                        <a:rPr lang="en-IN" sz="1800" b="0" dirty="0">
+                          <a:solidFill>
+                            <a:schemeClr val="tx2">
+                              <a:lumMod val="75000"/>
+                            </a:schemeClr>
+                          </a:solidFill>
+                          <a:latin typeface="Times New Roman" panose="02020603050405020304" pitchFamily="18" charset="0"/>
+                          <a:cs typeface="Times New Roman" panose="02020603050405020304" pitchFamily="18" charset="0"/>
+                        </a:rPr>
+                        <a:t>USO</a:t>
+                      </a:r>
+                    </a:p>
+                  </a:txBody>
+                  <a:tcPr/>
+                </a:tc>
+                <a:tc>
+                  <a:txBody>
+                    <a:bodyPr/>
+                    <a:lstStyle/>
+                    <a:p>
+                      <a:r>
+                        <a:rPr lang="en-IN" sz="1800" b="0" dirty="0">
+                          <a:solidFill>
+                            <a:schemeClr val="tx2">
+                              <a:lumMod val="75000"/>
+                            </a:schemeClr>
+                          </a:solidFill>
+                          <a:latin typeface="Times New Roman" panose="02020603050405020304" pitchFamily="18" charset="0"/>
+                          <a:cs typeface="Times New Roman" panose="02020603050405020304" pitchFamily="18" charset="0"/>
+                        </a:rPr>
+                        <a:t>Oil ETF price</a:t>
+                      </a:r>
+                    </a:p>
+                  </a:txBody>
+                  <a:tcPr/>
+                </a:tc>
+                <a:tc>
+                  <a:txBody>
+                    <a:bodyPr/>
+                    <a:lstStyle/>
+                    <a:p>
+                      <a:pPr marL="0" marR="0" lvl="0" indent="0" algn="l" defTabSz="914400" rtl="0" eaLnBrk="1" fontAlgn="auto" latinLnBrk="0" hangingPunct="1">
+                        <a:lnSpc>
+                          <a:spcPct val="100000"/>
+                        </a:lnSpc>
+                        <a:spcBef>
+                          <a:spcPts val="0"/>
+                        </a:spcBef>
+                        <a:spcAft>
+                          <a:spcPts val="0"/>
+                        </a:spcAft>
+                        <a:buClrTx/>
+                        <a:buSzTx/>
+                        <a:buFontTx/>
+                        <a:buNone/>
+                        <a:tabLst/>
+                        <a:defRPr/>
+                      </a:pPr>
+                      <a:r>
+                        <a:rPr lang="en-IN" sz="1800" b="0" dirty="0">
+                          <a:solidFill>
+                            <a:schemeClr val="tx2">
+                              <a:lumMod val="75000"/>
+                            </a:schemeClr>
+                          </a:solidFill>
+                          <a:latin typeface="Times New Roman" panose="02020603050405020304" pitchFamily="18" charset="0"/>
+                          <a:cs typeface="Times New Roman" panose="02020603050405020304" pitchFamily="18" charset="0"/>
+                        </a:rPr>
+                        <a:t>Float</a:t>
+                      </a:r>
+                    </a:p>
+                  </a:txBody>
+                  <a:tcPr/>
+                </a:tc>
+                <a:extLst>
+                  <a:ext uri="{0D108BD9-81ED-4DB2-BD59-A6C34878D82A}">
+                    <a16:rowId xmlns:a16="http://schemas.microsoft.com/office/drawing/2014/main" val="372644585"/>
+                  </a:ext>
+                </a:extLst>
+              </a:tr>
+              <a:tr h="399500">
+                <a:tc>
+                  <a:txBody>
+                    <a:bodyPr/>
+                    <a:lstStyle/>
+                    <a:p>
+                      <a:r>
+                        <a:rPr lang="en-IN" sz="1800" b="0" dirty="0">
+                          <a:solidFill>
+                            <a:schemeClr val="tx2">
+                              <a:lumMod val="75000"/>
+                            </a:schemeClr>
+                          </a:solidFill>
+                          <a:latin typeface="Times New Roman" panose="02020603050405020304" pitchFamily="18" charset="0"/>
+                          <a:cs typeface="Times New Roman" panose="02020603050405020304" pitchFamily="18" charset="0"/>
+                        </a:rPr>
+                        <a:t>EUR/USD</a:t>
+                      </a:r>
+                    </a:p>
+                  </a:txBody>
+                  <a:tcPr/>
+                </a:tc>
+                <a:tc>
+                  <a:txBody>
+                    <a:bodyPr/>
+                    <a:lstStyle/>
+                    <a:p>
+                      <a:r>
+                        <a:rPr lang="en-IN" sz="1800" b="0" dirty="0">
+                          <a:solidFill>
+                            <a:schemeClr val="tx2">
+                              <a:lumMod val="75000"/>
+                            </a:schemeClr>
+                          </a:solidFill>
+                          <a:latin typeface="Times New Roman" panose="02020603050405020304" pitchFamily="18" charset="0"/>
+                          <a:cs typeface="Times New Roman" panose="02020603050405020304" pitchFamily="18" charset="0"/>
+                        </a:rPr>
+                        <a:t>Exchange rate</a:t>
+                      </a:r>
+                    </a:p>
+                  </a:txBody>
+                  <a:tcPr/>
+                </a:tc>
+                <a:tc>
+                  <a:txBody>
+                    <a:bodyPr/>
+                    <a:lstStyle/>
+                    <a:p>
+                      <a:pPr marL="0" marR="0" lvl="0" indent="0" algn="l" defTabSz="914400" rtl="0" eaLnBrk="1" fontAlgn="auto" latinLnBrk="0" hangingPunct="1">
+                        <a:lnSpc>
+                          <a:spcPct val="100000"/>
+                        </a:lnSpc>
+                        <a:spcBef>
+                          <a:spcPts val="0"/>
+                        </a:spcBef>
+                        <a:spcAft>
+                          <a:spcPts val="0"/>
+                        </a:spcAft>
+                        <a:buClrTx/>
+                        <a:buSzTx/>
+                        <a:buFontTx/>
+                        <a:buNone/>
+                        <a:tabLst/>
+                        <a:defRPr/>
+                      </a:pPr>
+                      <a:r>
+                        <a:rPr lang="en-IN" sz="1800" b="0" dirty="0">
+                          <a:solidFill>
+                            <a:schemeClr val="tx2">
+                              <a:lumMod val="75000"/>
+                            </a:schemeClr>
+                          </a:solidFill>
+                          <a:latin typeface="Times New Roman" panose="02020603050405020304" pitchFamily="18" charset="0"/>
+                          <a:cs typeface="Times New Roman" panose="02020603050405020304" pitchFamily="18" charset="0"/>
+                        </a:rPr>
+                        <a:t>Float</a:t>
+                      </a:r>
+                    </a:p>
+                  </a:txBody>
+                  <a:tcPr/>
+                </a:tc>
+                <a:extLst>
+                  <a:ext uri="{0D108BD9-81ED-4DB2-BD59-A6C34878D82A}">
+                    <a16:rowId xmlns:a16="http://schemas.microsoft.com/office/drawing/2014/main" val="3127737574"/>
+                  </a:ext>
+                </a:extLst>
+              </a:tr>
+            </a:tbl>
+          </a:graphicData>
+        </a:graphic>
+      </p:graphicFrame>
     </p:spTree>
     <p:extLst>
       <p:ext uri="{BB962C8B-B14F-4D97-AF65-F5344CB8AC3E}">
-        <p14:creationId xmlns:p14="http://schemas.microsoft.com/office/powerpoint/2010/main" val="1801273714"/>
+        <p14:creationId xmlns:p14="http://schemas.microsoft.com/office/powerpoint/2010/main" val="705122338"/>
       </p:ext>
     </p:extLst>
   </p:cSld>
@@ -7619,53 +8666,58 @@
         <p:spPr>
           <a:xfrm>
             <a:off x="628650" y="1825625"/>
-            <a:ext cx="7886700" cy="1603375"/>
+            <a:ext cx="7886700" cy="2382481"/>
           </a:xfrm>
         </p:spPr>
         <p:txBody>
           <a:bodyPr/>
           <a:lstStyle/>
           <a:p>
-            <a:r>
-              <a:rPr lang="en-IN" dirty="0">
-                <a:solidFill>
-                  <a:srgbClr val="002060"/>
-                </a:solidFill>
-              </a:rPr>
+            <a:pPr lvl="0"/>
+            <a:r>
+              <a:rPr lang="en-US" dirty="0"/>
               <a:t>Python</a:t>
             </a:r>
-          </a:p>
-          <a:p>
-            <a:r>
-              <a:rPr lang="en-IN" dirty="0">
-                <a:solidFill>
-                  <a:srgbClr val="002060"/>
-                </a:solidFill>
-              </a:rPr>
-              <a:t>Pandas &amp; NumPy</a:t>
-            </a:r>
-          </a:p>
-          <a:p>
-            <a:r>
-              <a:rPr lang="en-IN" dirty="0">
-                <a:solidFill>
-                  <a:srgbClr val="002060"/>
-                </a:solidFill>
-              </a:rPr>
-              <a:t>Matplotlib &amp; Seaborn</a:t>
-            </a:r>
-          </a:p>
-          <a:p>
-            <a:r>
-              <a:rPr lang="en-IN" dirty="0">
-                <a:solidFill>
-                  <a:srgbClr val="002060"/>
-                </a:solidFill>
-              </a:rPr>
+            <a:endParaRPr lang="en-IN" dirty="0"/>
+          </a:p>
+          <a:p>
+            <a:pPr lvl="0"/>
+            <a:r>
+              <a:rPr lang="en-US" dirty="0"/>
+              <a:t>NumPy</a:t>
+            </a:r>
+            <a:endParaRPr lang="en-IN" dirty="0"/>
+          </a:p>
+          <a:p>
+            <a:pPr lvl="0"/>
+            <a:r>
+              <a:rPr lang="en-US" dirty="0"/>
+              <a:t>Pandas</a:t>
+            </a:r>
+            <a:endParaRPr lang="en-IN" dirty="0"/>
+          </a:p>
+          <a:p>
+            <a:pPr lvl="0"/>
+            <a:r>
+              <a:rPr lang="en-US" dirty="0"/>
+              <a:t>Seaborn &amp; Matplotlib</a:t>
+            </a:r>
+            <a:endParaRPr lang="en-IN" dirty="0"/>
+          </a:p>
+          <a:p>
+            <a:pPr lvl="0"/>
+            <a:r>
+              <a:rPr lang="en-US" dirty="0"/>
               <a:t>Scikit-learn</a:t>
             </a:r>
-          </a:p>
-          <a:p>
+            <a:endParaRPr lang="en-IN" dirty="0"/>
+          </a:p>
+          <a:p>
+            <a:pPr lvl="0"/>
+            <a:r>
+              <a:rPr lang="en-US" dirty="0" err="1"/>
+              <a:t>XGBoost</a:t>
+            </a:r>
             <a:endParaRPr lang="en-IN" dirty="0"/>
           </a:p>
         </p:txBody>
@@ -7688,8 +8740,8 @@
         </p:nvSpPr>
         <p:spPr>
           <a:xfrm>
-            <a:off x="628650" y="365127"/>
-            <a:ext cx="7886700" cy="894506"/>
+            <a:off x="401216" y="849087"/>
+            <a:ext cx="7964844" cy="895738"/>
           </a:xfrm>
         </p:spPr>
         <p:txBody>
@@ -7699,11 +8751,7 @@
           <a:lstStyle/>
           <a:p>
             <a:r>
-              <a:rPr lang="en-IN" sz="4400" dirty="0">
-                <a:solidFill>
-                  <a:srgbClr val="002060"/>
-                </a:solidFill>
-              </a:rPr>
+              <a:rPr lang="en-IN" sz="4400" dirty="0"/>
               <a:t>Tools  and Technologies</a:t>
             </a:r>
             <a:br>
